--- a/DSA Project review.pptx
+++ b/DSA Project review.pptx
@@ -7,28 +7,27 @@
   <p:sldIdLst>
     <p:sldId id="260" r:id="rId2"/>
     <p:sldId id="256" r:id="rId3"/>
-    <p:sldId id="257" r:id="rId4"/>
-    <p:sldId id="258" r:id="rId5"/>
-    <p:sldId id="261" r:id="rId6"/>
-    <p:sldId id="263" r:id="rId7"/>
-    <p:sldId id="259" r:id="rId8"/>
-    <p:sldId id="264" r:id="rId9"/>
-    <p:sldId id="265" r:id="rId10"/>
-    <p:sldId id="266" r:id="rId11"/>
-    <p:sldId id="267" r:id="rId12"/>
-    <p:sldId id="268" r:id="rId13"/>
-    <p:sldId id="269" r:id="rId14"/>
-    <p:sldId id="270" r:id="rId15"/>
-    <p:sldId id="271" r:id="rId16"/>
-    <p:sldId id="272" r:id="rId17"/>
-    <p:sldId id="273" r:id="rId18"/>
-    <p:sldId id="274" r:id="rId19"/>
-    <p:sldId id="275" r:id="rId20"/>
-    <p:sldId id="276" r:id="rId21"/>
-    <p:sldId id="277" r:id="rId22"/>
-    <p:sldId id="278" r:id="rId23"/>
-    <p:sldId id="279" r:id="rId24"/>
-    <p:sldId id="262" r:id="rId25"/>
+    <p:sldId id="258" r:id="rId4"/>
+    <p:sldId id="261" r:id="rId5"/>
+    <p:sldId id="263" r:id="rId6"/>
+    <p:sldId id="259" r:id="rId7"/>
+    <p:sldId id="264" r:id="rId8"/>
+    <p:sldId id="265" r:id="rId9"/>
+    <p:sldId id="266" r:id="rId10"/>
+    <p:sldId id="267" r:id="rId11"/>
+    <p:sldId id="268" r:id="rId12"/>
+    <p:sldId id="269" r:id="rId13"/>
+    <p:sldId id="270" r:id="rId14"/>
+    <p:sldId id="271" r:id="rId15"/>
+    <p:sldId id="272" r:id="rId16"/>
+    <p:sldId id="273" r:id="rId17"/>
+    <p:sldId id="274" r:id="rId18"/>
+    <p:sldId id="275" r:id="rId19"/>
+    <p:sldId id="276" r:id="rId20"/>
+    <p:sldId id="277" r:id="rId21"/>
+    <p:sldId id="278" r:id="rId22"/>
+    <p:sldId id="279" r:id="rId23"/>
+    <p:sldId id="262" r:id="rId24"/>
   </p:sldIdLst>
   <p:sldSz cx="12192000" cy="6858000"/>
   <p:notesSz cx="6858000" cy="9144000"/>
@@ -139,23 +138,46 @@
 <pc:chgInfo xmlns:a="http://schemas.openxmlformats.org/drawingml/2006/main" xmlns:r="http://schemas.openxmlformats.org/officeDocument/2006/relationships" xmlns:ac="http://schemas.microsoft.com/office/drawing/2013/main/command" xmlns:pc="http://schemas.microsoft.com/office/powerpoint/2013/main/command">
   <pc:docChgLst>
     <pc:chgData name="Gautam Wadhwani" userId="d4c071a7045c43de" providerId="LiveId" clId="{C82E58D0-7BB2-400F-A7A6-F582E55B03F3}"/>
-    <pc:docChg chg="undo custSel addSld modSld">
-      <pc:chgData name="Gautam Wadhwani" userId="d4c071a7045c43de" providerId="LiveId" clId="{C82E58D0-7BB2-400F-A7A6-F582E55B03F3}" dt="2020-10-06T11:45:53.389" v="7700" actId="20577"/>
+    <pc:docChg chg="undo custSel addSld delSld modSld">
+      <pc:chgData name="Gautam Wadhwani" userId="d4c071a7045c43de" providerId="LiveId" clId="{C82E58D0-7BB2-400F-A7A6-F582E55B03F3}" dt="2020-10-07T16:00:29.965" v="7834" actId="20577"/>
       <pc:docMkLst>
         <pc:docMk/>
       </pc:docMkLst>
       <pc:sldChg chg="modSp mod">
-        <pc:chgData name="Gautam Wadhwani" userId="d4c071a7045c43de" providerId="LiveId" clId="{C82E58D0-7BB2-400F-A7A6-F582E55B03F3}" dt="2020-10-01T15:07:28.411" v="2904" actId="20577"/>
+        <pc:chgData name="Gautam Wadhwani" userId="d4c071a7045c43de" providerId="LiveId" clId="{C82E58D0-7BB2-400F-A7A6-F582E55B03F3}" dt="2020-10-07T16:00:29.965" v="7834" actId="20577"/>
         <pc:sldMkLst>
           <pc:docMk/>
           <pc:sldMk cId="620865477" sldId="256"/>
         </pc:sldMkLst>
         <pc:spChg chg="mod">
-          <ac:chgData name="Gautam Wadhwani" userId="d4c071a7045c43de" providerId="LiveId" clId="{C82E58D0-7BB2-400F-A7A6-F582E55B03F3}" dt="2020-10-01T15:07:28.411" v="2904" actId="20577"/>
+          <ac:chgData name="Gautam Wadhwani" userId="d4c071a7045c43de" providerId="LiveId" clId="{C82E58D0-7BB2-400F-A7A6-F582E55B03F3}" dt="2020-10-07T16:00:05.349" v="7800"/>
           <ac:spMkLst>
             <pc:docMk/>
             <pc:sldMk cId="620865477" sldId="256"/>
             <ac:spMk id="2" creationId="{8758913D-2571-42AC-891B-66EC497AEB74}"/>
+          </ac:spMkLst>
+        </pc:spChg>
+        <pc:spChg chg="mod">
+          <ac:chgData name="Gautam Wadhwani" userId="d4c071a7045c43de" providerId="LiveId" clId="{C82E58D0-7BB2-400F-A7A6-F582E55B03F3}" dt="2020-10-07T16:00:29.965" v="7834" actId="20577"/>
+          <ac:spMkLst>
+            <pc:docMk/>
+            <pc:sldMk cId="620865477" sldId="256"/>
+            <ac:spMk id="3" creationId="{D78929D8-E1E1-400F-8E78-6D7E9D798FB3}"/>
+          </ac:spMkLst>
+        </pc:spChg>
+      </pc:sldChg>
+      <pc:sldChg chg="modSp del mod">
+        <pc:chgData name="Gautam Wadhwani" userId="d4c071a7045c43de" providerId="LiveId" clId="{C82E58D0-7BB2-400F-A7A6-F582E55B03F3}" dt="2020-10-07T15:59:45.165" v="7794" actId="47"/>
+        <pc:sldMkLst>
+          <pc:docMk/>
+          <pc:sldMk cId="1126094981" sldId="257"/>
+        </pc:sldMkLst>
+        <pc:spChg chg="mod">
+          <ac:chgData name="Gautam Wadhwani" userId="d4c071a7045c43de" providerId="LiveId" clId="{C82E58D0-7BB2-400F-A7A6-F582E55B03F3}" dt="2020-10-07T15:59:40.994" v="7793" actId="21"/>
+          <ac:spMkLst>
+            <pc:docMk/>
+            <pc:sldMk cId="1126094981" sldId="257"/>
+            <ac:spMk id="3" creationId="{D0B2F386-A24E-4FCC-9C9D-4AB151029FFF}"/>
           </ac:spMkLst>
         </pc:spChg>
       </pc:sldChg>
@@ -716,7 +738,7 @@
           <a:p>
             <a:fld id="{3DE3FFF4-53AF-47FC-91C4-ADC1087D2A0B}" type="datetimeFigureOut">
               <a:rPr lang="en-IN" smtClean="0"/>
-              <a:t>06-10-2020</a:t>
+              <a:t>07-10-2020</a:t>
             </a:fld>
             <a:endParaRPr lang="en-IN"/>
           </a:p>
@@ -916,7 +938,7 @@
           <a:p>
             <a:fld id="{3DE3FFF4-53AF-47FC-91C4-ADC1087D2A0B}" type="datetimeFigureOut">
               <a:rPr lang="en-IN" smtClean="0"/>
-              <a:t>06-10-2020</a:t>
+              <a:t>07-10-2020</a:t>
             </a:fld>
             <a:endParaRPr lang="en-IN"/>
           </a:p>
@@ -1126,7 +1148,7 @@
           <a:p>
             <a:fld id="{3DE3FFF4-53AF-47FC-91C4-ADC1087D2A0B}" type="datetimeFigureOut">
               <a:rPr lang="en-IN" smtClean="0"/>
-              <a:t>06-10-2020</a:t>
+              <a:t>07-10-2020</a:t>
             </a:fld>
             <a:endParaRPr lang="en-IN"/>
           </a:p>
@@ -1326,7 +1348,7 @@
           <a:p>
             <a:fld id="{3DE3FFF4-53AF-47FC-91C4-ADC1087D2A0B}" type="datetimeFigureOut">
               <a:rPr lang="en-IN" smtClean="0"/>
-              <a:t>06-10-2020</a:t>
+              <a:t>07-10-2020</a:t>
             </a:fld>
             <a:endParaRPr lang="en-IN"/>
           </a:p>
@@ -1602,7 +1624,7 @@
           <a:p>
             <a:fld id="{3DE3FFF4-53AF-47FC-91C4-ADC1087D2A0B}" type="datetimeFigureOut">
               <a:rPr lang="en-IN" smtClean="0"/>
-              <a:t>06-10-2020</a:t>
+              <a:t>07-10-2020</a:t>
             </a:fld>
             <a:endParaRPr lang="en-IN"/>
           </a:p>
@@ -1870,7 +1892,7 @@
           <a:p>
             <a:fld id="{3DE3FFF4-53AF-47FC-91C4-ADC1087D2A0B}" type="datetimeFigureOut">
               <a:rPr lang="en-IN" smtClean="0"/>
-              <a:t>06-10-2020</a:t>
+              <a:t>07-10-2020</a:t>
             </a:fld>
             <a:endParaRPr lang="en-IN"/>
           </a:p>
@@ -2285,7 +2307,7 @@
           <a:p>
             <a:fld id="{3DE3FFF4-53AF-47FC-91C4-ADC1087D2A0B}" type="datetimeFigureOut">
               <a:rPr lang="en-IN" smtClean="0"/>
-              <a:t>06-10-2020</a:t>
+              <a:t>07-10-2020</a:t>
             </a:fld>
             <a:endParaRPr lang="en-IN"/>
           </a:p>
@@ -2427,7 +2449,7 @@
           <a:p>
             <a:fld id="{3DE3FFF4-53AF-47FC-91C4-ADC1087D2A0B}" type="datetimeFigureOut">
               <a:rPr lang="en-IN" smtClean="0"/>
-              <a:t>06-10-2020</a:t>
+              <a:t>07-10-2020</a:t>
             </a:fld>
             <a:endParaRPr lang="en-IN"/>
           </a:p>
@@ -2540,7 +2562,7 @@
           <a:p>
             <a:fld id="{3DE3FFF4-53AF-47FC-91C4-ADC1087D2A0B}" type="datetimeFigureOut">
               <a:rPr lang="en-IN" smtClean="0"/>
-              <a:t>06-10-2020</a:t>
+              <a:t>07-10-2020</a:t>
             </a:fld>
             <a:endParaRPr lang="en-IN"/>
           </a:p>
@@ -2853,7 +2875,7 @@
           <a:p>
             <a:fld id="{3DE3FFF4-53AF-47FC-91C4-ADC1087D2A0B}" type="datetimeFigureOut">
               <a:rPr lang="en-IN" smtClean="0"/>
-              <a:t>06-10-2020</a:t>
+              <a:t>07-10-2020</a:t>
             </a:fld>
             <a:endParaRPr lang="en-IN"/>
           </a:p>
@@ -3142,7 +3164,7 @@
           <a:p>
             <a:fld id="{3DE3FFF4-53AF-47FC-91C4-ADC1087D2A0B}" type="datetimeFigureOut">
               <a:rPr lang="en-IN" smtClean="0"/>
-              <a:t>06-10-2020</a:t>
+              <a:t>07-10-2020</a:t>
             </a:fld>
             <a:endParaRPr lang="en-IN"/>
           </a:p>
@@ -3385,7 +3407,7 @@
           <a:p>
             <a:fld id="{3DE3FFF4-53AF-47FC-91C4-ADC1087D2A0B}" type="datetimeFigureOut">
               <a:rPr lang="en-IN" smtClean="0"/>
-              <a:t>06-10-2020</a:t>
+              <a:t>07-10-2020</a:t>
             </a:fld>
             <a:endParaRPr lang="en-IN"/>
           </a:p>
@@ -3920,7 +3942,7 @@
           <a:p>
             <a:r>
               <a:rPr lang="en-IN" dirty="0"/>
-              <a:t>                    Greedy Method</a:t>
+              <a:t>                    Improvement in the answer</a:t>
             </a:r>
           </a:p>
         </p:txBody>
@@ -3962,42 +3984,30 @@
           </a:bodyPr>
           <a:lstStyle/>
           <a:p>
-            <a:r>
-              <a:rPr lang="en-IN" dirty="0"/>
-              <a:t>First make a copy of the input list of coordinates.</a:t>
-            </a:r>
-          </a:p>
-          <a:p>
-            <a:r>
-              <a:rPr lang="en-IN" dirty="0"/>
-              <a:t>Go to the nearest point from the start point and find the distance.</a:t>
-            </a:r>
-          </a:p>
-          <a:p>
-            <a:r>
-              <a:rPr lang="en-IN" dirty="0"/>
-              <a:t>Now new start point is that nearest point and delete it from the copy</a:t>
-            </a:r>
-          </a:p>
-          <a:p>
-            <a:pPr marL="0" indent="0">
-              <a:buNone/>
-            </a:pPr>
-            <a:r>
-              <a:rPr lang="en-IN" dirty="0"/>
-              <a:t> of the list.</a:t>
-            </a:r>
-          </a:p>
-          <a:p>
-            <a:r>
-              <a:rPr lang="en-IN" dirty="0"/>
-              <a:t>Now go to the next nearest point and continue until the copy list becomes empty.</a:t>
-            </a:r>
-          </a:p>
-          <a:p>
-            <a:r>
-              <a:rPr lang="en-IN" dirty="0"/>
-              <a:t>The time complexity of this method is O(n^2) but it will not always lead you to the shortest path.</a:t>
+            <a:endParaRPr lang="en-IN" dirty="0"/>
+          </a:p>
+          <a:p>
+            <a:r>
+              <a:rPr lang="en-IN" dirty="0"/>
+              <a:t>There are 3 methods to improve the answer obtained by the greedy method</a:t>
+            </a:r>
+          </a:p>
+          <a:p>
+            <a:r>
+              <a:rPr lang="en-IN" dirty="0"/>
+              <a:t>First is to pick up the last point of the route and put as the second point of the route and check whether the distance is reduced. </a:t>
+            </a:r>
+          </a:p>
+          <a:p>
+            <a:r>
+              <a:rPr lang="en-IN" dirty="0"/>
+              <a:t>Continue the same process until there is no more improvement or a counter variable reaches a big enough number say 40,000/n.</a:t>
+            </a:r>
+          </a:p>
+          <a:p>
+            <a:r>
+              <a:rPr lang="en-IN" dirty="0"/>
+              <a:t>This will require O(n) time.</a:t>
             </a:r>
           </a:p>
         </p:txBody>
@@ -4005,7 +4015,7 @@
     </p:spTree>
     <p:extLst>
       <p:ext uri="{BB962C8B-B14F-4D97-AF65-F5344CB8AC3E}">
-        <p14:creationId xmlns:p14="http://schemas.microsoft.com/office/powerpoint/2010/main" val="1292591117"/>
+        <p14:creationId xmlns:p14="http://schemas.microsoft.com/office/powerpoint/2010/main" val="3017810806"/>
       </p:ext>
     </p:extLst>
   </p:cSld>
@@ -4118,25 +4128,19 @@
           <a:p>
             <a:r>
               <a:rPr lang="en-IN" dirty="0"/>
-              <a:t>There are 3 methods to improve the answer obtained by the greedy method</a:t>
-            </a:r>
-          </a:p>
-          <a:p>
-            <a:r>
-              <a:rPr lang="en-IN" dirty="0"/>
-              <a:t>First is to pick up the last point of the route and put as the second point of the route and check whether the distance is reduced. </a:t>
-            </a:r>
-          </a:p>
-          <a:p>
-            <a:r>
-              <a:rPr lang="en-IN" dirty="0"/>
-              <a:t>Continue the same process until there is no more improvement or a counter variable reaches a big enough number say 40,000/n.</a:t>
-            </a:r>
-          </a:p>
-          <a:p>
-            <a:r>
-              <a:rPr lang="en-IN" dirty="0"/>
-              <a:t>This will require O(n) time.</a:t>
+              <a:t>In the second method, we take a counter variable initialized to 0 then pick up any random point (except the second point and the last point) and place it at the second position and check whether this change caused an improvement in the total distance to be travelled to cover all the points.</a:t>
+            </a:r>
+          </a:p>
+          <a:p>
+            <a:r>
+              <a:rPr lang="en-IN" dirty="0"/>
+              <a:t>If there is an improvement, we continue until there is no more improvement or the counter variable reaches a value say 40,000/n^2.</a:t>
+            </a:r>
+          </a:p>
+          <a:p>
+            <a:r>
+              <a:rPr lang="en-IN" dirty="0"/>
+              <a:t>Time required is O(n^2).</a:t>
             </a:r>
           </a:p>
         </p:txBody>
@@ -4144,7 +4148,7 @@
     </p:spTree>
     <p:extLst>
       <p:ext uri="{BB962C8B-B14F-4D97-AF65-F5344CB8AC3E}">
-        <p14:creationId xmlns:p14="http://schemas.microsoft.com/office/powerpoint/2010/main" val="3017810806"/>
+        <p14:creationId xmlns:p14="http://schemas.microsoft.com/office/powerpoint/2010/main" val="3225319267"/>
       </p:ext>
     </p:extLst>
   </p:cSld>
@@ -4248,7 +4252,7 @@
         </p:style>
         <p:txBody>
           <a:bodyPr>
-            <a:normAutofit/>
+            <a:normAutofit lnSpcReduction="10000"/>
           </a:bodyPr>
           <a:lstStyle/>
           <a:p>
@@ -4257,19 +4261,25 @@
           <a:p>
             <a:r>
               <a:rPr lang="en-IN" dirty="0"/>
-              <a:t>In the second method, we take a counter variable initialized to 0 then pick up any random point (except the second point and the last point) and place it at the second position and check whether this change caused an improvement in the total distance to be travelled to cover all the points.</a:t>
-            </a:r>
-          </a:p>
-          <a:p>
-            <a:r>
-              <a:rPr lang="en-IN" dirty="0"/>
-              <a:t>If there is an improvement, we continue until there is no more improvement or the counter variable reaches a value say 40,000/n^2.</a:t>
-            </a:r>
-          </a:p>
-          <a:p>
-            <a:r>
-              <a:rPr lang="en-IN" dirty="0"/>
-              <a:t>Time required is O(n^2).</a:t>
+              <a:t>In the third method, we take a counter variable initialized to 0 then pick up any two random points and swap them in the list and check whether this change caused an improvement in the total distance to be travelled to cover all the points.</a:t>
+            </a:r>
+          </a:p>
+          <a:p>
+            <a:r>
+              <a:rPr lang="en-IN" dirty="0"/>
+              <a:t>If there is an improvement, we continue until there is no more improvement or the counter variable reaches a value say 40,000/n^3.</a:t>
+            </a:r>
+          </a:p>
+          <a:p>
+            <a:r>
+              <a:rPr lang="en-IN" dirty="0"/>
+              <a:t>Time complexity is O(n^3).</a:t>
+            </a:r>
+          </a:p>
+          <a:p>
+            <a:r>
+              <a:rPr lang="en-IN" dirty="0"/>
+              <a:t>These three optimizations can cause much improvement in the accuracy of the answer.</a:t>
             </a:r>
           </a:p>
         </p:txBody>
@@ -4277,7 +4287,7 @@
     </p:spTree>
     <p:extLst>
       <p:ext uri="{BB962C8B-B14F-4D97-AF65-F5344CB8AC3E}">
-        <p14:creationId xmlns:p14="http://schemas.microsoft.com/office/powerpoint/2010/main" val="3225319267"/>
+        <p14:creationId xmlns:p14="http://schemas.microsoft.com/office/powerpoint/2010/main" val="527700572"/>
       </p:ext>
     </p:extLst>
   </p:cSld>
@@ -4343,7 +4353,7 @@
           <a:p>
             <a:r>
               <a:rPr lang="en-IN" dirty="0"/>
-              <a:t>                    Improvement in the answer</a:t>
+              <a:t>                    Another approximate method</a:t>
             </a:r>
           </a:p>
         </p:txBody>
@@ -4364,7 +4374,12 @@
             <p:ph idx="1"/>
           </p:nvPr>
         </p:nvSpPr>
-        <p:spPr/>
+        <p:spPr>
+          <a:xfrm>
+            <a:off x="838200" y="1825624"/>
+            <a:ext cx="10515600" cy="4853471"/>
+          </a:xfrm>
+        </p:spPr>
         <p:style>
           <a:lnRef idx="1">
             <a:schemeClr val="accent1"/>
@@ -4381,34 +4396,57 @@
         </p:style>
         <p:txBody>
           <a:bodyPr>
-            <a:normAutofit lnSpcReduction="10000"/>
+            <a:normAutofit fontScale="92500" lnSpcReduction="10000"/>
           </a:bodyPr>
           <a:lstStyle/>
           <a:p>
-            <a:endParaRPr lang="en-IN" dirty="0"/>
-          </a:p>
-          <a:p>
-            <a:r>
-              <a:rPr lang="en-IN" dirty="0"/>
-              <a:t>In the third method, we take a counter variable initialized to 0 then pick up any two random points and swap them in the list and check whether this change caused an improvement in the total distance to be travelled to cover all the points.</a:t>
-            </a:r>
-          </a:p>
-          <a:p>
-            <a:r>
-              <a:rPr lang="en-IN" dirty="0"/>
-              <a:t>If there is an improvement, we continue until there is no more improvement or the counter variable reaches a value say 40,000/n^3.</a:t>
-            </a:r>
-          </a:p>
-          <a:p>
-            <a:r>
-              <a:rPr lang="en-IN" dirty="0"/>
-              <a:t>Time complexity is O(n^3).</a:t>
-            </a:r>
-          </a:p>
-          <a:p>
-            <a:r>
-              <a:rPr lang="en-IN" dirty="0"/>
-              <a:t>These three optimizations can cause much improvement in the accuracy of the answer.</a:t>
+            <a:r>
+              <a:rPr lang="en-IN" dirty="0"/>
+              <a:t>Sort the coordinates on the basis of polar coordinate on shifting the origin to the start point.</a:t>
+            </a:r>
+          </a:p>
+          <a:p>
+            <a:r>
+              <a:rPr lang="en-IN" dirty="0"/>
+              <a:t>Point with smaller angle put first.</a:t>
+            </a:r>
+          </a:p>
+          <a:p>
+            <a:r>
+              <a:rPr lang="en-IN" dirty="0"/>
+              <a:t>If angle is same then the point nearer to the previous point in the sorted list put first.</a:t>
+            </a:r>
+          </a:p>
+          <a:p>
+            <a:r>
+              <a:rPr lang="en-IN" dirty="0"/>
+              <a:t>Use </a:t>
+            </a:r>
+            <a:r>
+              <a:rPr lang="en-IN" dirty="0" err="1"/>
+              <a:t>mergesort</a:t>
+            </a:r>
+            <a:r>
+              <a:rPr lang="en-IN" dirty="0"/>
+              <a:t> algorithm with O(n log(n)) time complexity.</a:t>
+            </a:r>
+          </a:p>
+          <a:p>
+            <a:r>
+              <a:rPr lang="en-IN" dirty="0"/>
+              <a:t>Check whether the list when taken in reverse has more or lesser total distance keeping the start point at index 0 only and select the one with lesser total distance.</a:t>
+            </a:r>
+          </a:p>
+          <a:p>
+            <a:r>
+              <a:rPr lang="en-IN" dirty="0"/>
+              <a:t>The answer can be improved using the same methods discussed above.</a:t>
+            </a:r>
+          </a:p>
+          <a:p>
+            <a:r>
+              <a:rPr lang="en-IN" dirty="0"/>
+              <a:t>Select the better answer among improved answer of greedy algorithm and improved answer of this approximate method.</a:t>
             </a:r>
           </a:p>
         </p:txBody>
@@ -4416,7 +4454,7 @@
     </p:spTree>
     <p:extLst>
       <p:ext uri="{BB962C8B-B14F-4D97-AF65-F5344CB8AC3E}">
-        <p14:creationId xmlns:p14="http://schemas.microsoft.com/office/powerpoint/2010/main" val="527700572"/>
+        <p14:creationId xmlns:p14="http://schemas.microsoft.com/office/powerpoint/2010/main" val="3615117842"/>
       </p:ext>
     </p:extLst>
   </p:cSld>
@@ -4482,7 +4520,7 @@
           <a:p>
             <a:r>
               <a:rPr lang="en-IN" dirty="0"/>
-              <a:t>                    Another approximate method</a:t>
+              <a:t>                    Using Graph DS to solve</a:t>
             </a:r>
           </a:p>
         </p:txBody>
@@ -4525,57 +4563,43 @@
         </p:style>
         <p:txBody>
           <a:bodyPr>
-            <a:normAutofit fontScale="92500" lnSpcReduction="10000"/>
+            <a:normAutofit/>
           </a:bodyPr>
           <a:lstStyle/>
           <a:p>
             <a:r>
               <a:rPr lang="en-IN" dirty="0"/>
-              <a:t>Sort the coordinates on the basis of polar coordinate on shifting the origin to the start point.</a:t>
-            </a:r>
-          </a:p>
-          <a:p>
-            <a:r>
-              <a:rPr lang="en-IN" dirty="0"/>
-              <a:t>Point with smaller angle put first.</a:t>
-            </a:r>
-          </a:p>
-          <a:p>
-            <a:r>
-              <a:rPr lang="en-IN" dirty="0"/>
-              <a:t>If angle is same then the point nearer to the previous point in the sorted list put first.</a:t>
-            </a:r>
-          </a:p>
-          <a:p>
-            <a:r>
-              <a:rPr lang="en-IN" dirty="0"/>
-              <a:t>Use </a:t>
-            </a:r>
-            <a:r>
-              <a:rPr lang="en-IN" dirty="0" err="1"/>
-              <a:t>mergesort</a:t>
-            </a:r>
-            <a:r>
-              <a:rPr lang="en-IN" dirty="0"/>
-              <a:t> algorithm with O(n log(n)) time complexity.</a:t>
-            </a:r>
-          </a:p>
-          <a:p>
-            <a:r>
-              <a:rPr lang="en-IN" dirty="0"/>
-              <a:t>Check whether the list when taken in reverse has more or lesser total distance keeping the start point at index 0 only and select the one with lesser total distance.</a:t>
-            </a:r>
-          </a:p>
-          <a:p>
-            <a:r>
-              <a:rPr lang="en-IN" dirty="0"/>
-              <a:t>The answer can be improved using the same methods discussed above.</a:t>
-            </a:r>
-          </a:p>
-          <a:p>
-            <a:r>
-              <a:rPr lang="en-IN" dirty="0"/>
-              <a:t>Select the better answer among improved answer of greedy algorithm and improved answer of this approximate method.</a:t>
+              <a:t>The above methods work only when the distance from one point (say A) to another (say B) is same as the distance from B to A.</a:t>
+            </a:r>
+          </a:p>
+          <a:p>
+            <a:r>
+              <a:rPr lang="en-IN" dirty="0"/>
+              <a:t>But sometimes the distance from B to A can be different if there is a one way.</a:t>
+            </a:r>
+          </a:p>
+          <a:p>
+            <a:r>
+              <a:rPr lang="en-IN" dirty="0"/>
+              <a:t>And sometimes the distance is not just the straight line distance.</a:t>
+            </a:r>
+          </a:p>
+          <a:p>
+            <a:r>
+              <a:rPr lang="en-IN" dirty="0"/>
+              <a:t>So we can use a graph data structure to input the distance between all pairs of points in the form of an adjacency matrix.</a:t>
+            </a:r>
+          </a:p>
+          <a:p>
+            <a:r>
+              <a:rPr lang="en-IN" dirty="0"/>
+              <a:t>For simplicity we name the edges as 0,1,2,3…</a:t>
+            </a:r>
+          </a:p>
+          <a:p>
+            <a:r>
+              <a:rPr lang="en-IN" dirty="0"/>
+              <a:t>So we input only the adjacency matrix.</a:t>
             </a:r>
           </a:p>
         </p:txBody>
@@ -4583,7 +4607,7 @@
     </p:spTree>
     <p:extLst>
       <p:ext uri="{BB962C8B-B14F-4D97-AF65-F5344CB8AC3E}">
-        <p14:creationId xmlns:p14="http://schemas.microsoft.com/office/powerpoint/2010/main" val="3615117842"/>
+        <p14:creationId xmlns:p14="http://schemas.microsoft.com/office/powerpoint/2010/main" val="4256439643"/>
       </p:ext>
     </p:extLst>
   </p:cSld>
@@ -4649,7 +4673,7 @@
           <a:p>
             <a:r>
               <a:rPr lang="en-IN" dirty="0"/>
-              <a:t>                    Using Graph DS to solve</a:t>
+              <a:t>                    Brute Force on Graph</a:t>
             </a:r>
           </a:p>
         </p:txBody>
@@ -4692,43 +4716,103 @@
         </p:style>
         <p:txBody>
           <a:bodyPr>
-            <a:normAutofit/>
+            <a:normAutofit lnSpcReduction="10000"/>
           </a:bodyPr>
           <a:lstStyle/>
           <a:p>
             <a:r>
               <a:rPr lang="en-IN" dirty="0"/>
-              <a:t>The above methods work only when the distance from one point (say A) to another (say B) is same as the distance from B to A.</a:t>
-            </a:r>
-          </a:p>
-          <a:p>
-            <a:r>
-              <a:rPr lang="en-IN" dirty="0"/>
-              <a:t>But sometimes the distance from B to A can be different if there is a one way.</a:t>
-            </a:r>
-          </a:p>
-          <a:p>
-            <a:r>
-              <a:rPr lang="en-IN" dirty="0"/>
-              <a:t>And sometimes the distance is not just the straight line distance.</a:t>
-            </a:r>
-          </a:p>
-          <a:p>
-            <a:r>
-              <a:rPr lang="en-IN" dirty="0"/>
-              <a:t>So we can use a graph data structure to input the distance between all pairs of points in the form of an adjacency matrix.</a:t>
-            </a:r>
-          </a:p>
-          <a:p>
-            <a:r>
-              <a:rPr lang="en-IN" dirty="0"/>
-              <a:t>For simplicity we name the edges as 0,1,2,3…</a:t>
-            </a:r>
-          </a:p>
-          <a:p>
-            <a:r>
-              <a:rPr lang="en-IN" dirty="0"/>
-              <a:t>So we input only the adjacency matrix.</a:t>
+              <a:t>Generate all possible permutations of the numbers 1,2,3… n-1</a:t>
+            </a:r>
+          </a:p>
+          <a:p>
+            <a:pPr marL="0" indent="0">
+              <a:buNone/>
+            </a:pPr>
+            <a:r>
+              <a:rPr lang="en-IN" dirty="0"/>
+              <a:t>   in a list per.</a:t>
+            </a:r>
+          </a:p>
+          <a:p>
+            <a:pPr marL="0" indent="0">
+              <a:buNone/>
+            </a:pPr>
+            <a:r>
+              <a:rPr lang="en-IN" dirty="0"/>
+              <a:t>   0 represents the start point.</a:t>
+            </a:r>
+          </a:p>
+          <a:p>
+            <a:r>
+              <a:rPr lang="en-IN" dirty="0"/>
+              <a:t>Traverse through per</a:t>
+            </a:r>
+          </a:p>
+          <a:p>
+            <a:r>
+              <a:rPr lang="en-IN" dirty="0"/>
+              <a:t>The length of each permutation is n-1. Initialize distance to be graph[0][per[</a:t>
+            </a:r>
+            <a:r>
+              <a:rPr lang="en-IN" dirty="0" err="1"/>
+              <a:t>i</a:t>
+            </a:r>
+            <a:r>
+              <a:rPr lang="en-IN" dirty="0"/>
+              <a:t>][0]] (distance of start point to first point in </a:t>
+            </a:r>
+            <a:r>
+              <a:rPr lang="en-IN" dirty="0" err="1"/>
+              <a:t>i</a:t>
+            </a:r>
+            <a:r>
+              <a:rPr lang="en-IN" baseline="30000" dirty="0" err="1"/>
+              <a:t>th</a:t>
+            </a:r>
+            <a:r>
+              <a:rPr lang="en-IN" dirty="0"/>
+              <a:t> permutation). Now traverse through the </a:t>
+            </a:r>
+            <a:r>
+              <a:rPr lang="en-IN" dirty="0" err="1"/>
+              <a:t>i</a:t>
+            </a:r>
+            <a:r>
+              <a:rPr lang="en-IN" baseline="30000" dirty="0" err="1"/>
+              <a:t>th</a:t>
+            </a:r>
+            <a:r>
+              <a:rPr lang="en-IN" dirty="0"/>
+              <a:t> permutation and take j=1 to j=n-2. Add graph[per[</a:t>
+            </a:r>
+            <a:r>
+              <a:rPr lang="en-IN" dirty="0" err="1"/>
+              <a:t>i</a:t>
+            </a:r>
+            <a:r>
+              <a:rPr lang="en-IN" dirty="0"/>
+              <a:t>][j]][per[</a:t>
+            </a:r>
+            <a:r>
+              <a:rPr lang="en-IN" dirty="0" err="1"/>
+              <a:t>i</a:t>
+            </a:r>
+            <a:r>
+              <a:rPr lang="en-IN" dirty="0"/>
+              <a:t>][j+1]] to the distance.</a:t>
+            </a:r>
+          </a:p>
+          <a:p>
+            <a:r>
+              <a:rPr lang="en-IN" dirty="0"/>
+              <a:t>Find the total distances of all permutations and select the permutation with least distance as the optimal path.</a:t>
+            </a:r>
+          </a:p>
+          <a:p>
+            <a:r>
+              <a:rPr lang="en-IN" dirty="0"/>
+              <a:t>Time complexity is O(n!).</a:t>
             </a:r>
           </a:p>
         </p:txBody>
@@ -4736,7 +4820,7 @@
     </p:spTree>
     <p:extLst>
       <p:ext uri="{BB962C8B-B14F-4D97-AF65-F5344CB8AC3E}">
-        <p14:creationId xmlns:p14="http://schemas.microsoft.com/office/powerpoint/2010/main" val="4256439643"/>
+        <p14:creationId xmlns:p14="http://schemas.microsoft.com/office/powerpoint/2010/main" val="3063243471"/>
       </p:ext>
     </p:extLst>
   </p:cSld>
@@ -4802,7 +4886,7 @@
           <a:p>
             <a:r>
               <a:rPr lang="en-IN" dirty="0"/>
-              <a:t>                    Brute Force on Graph</a:t>
+              <a:t>                    Greedy Method on Graph</a:t>
             </a:r>
           </a:p>
         </p:txBody>
@@ -4851,97 +4935,37 @@
           <a:p>
             <a:r>
               <a:rPr lang="en-IN" dirty="0"/>
-              <a:t>Generate all possible permutations of the numbers 1,2,3… n-1</a:t>
-            </a:r>
-          </a:p>
-          <a:p>
-            <a:pPr marL="0" indent="0">
-              <a:buNone/>
-            </a:pPr>
-            <a:r>
-              <a:rPr lang="en-IN" dirty="0"/>
-              <a:t>   in a list per.</a:t>
-            </a:r>
-          </a:p>
-          <a:p>
-            <a:pPr marL="0" indent="0">
-              <a:buNone/>
-            </a:pPr>
-            <a:r>
-              <a:rPr lang="en-IN" dirty="0"/>
-              <a:t>   0 represents the start point.</a:t>
-            </a:r>
-          </a:p>
-          <a:p>
-            <a:r>
-              <a:rPr lang="en-IN" dirty="0"/>
-              <a:t>Traverse through per</a:t>
-            </a:r>
-          </a:p>
-          <a:p>
-            <a:r>
-              <a:rPr lang="en-IN" dirty="0"/>
-              <a:t>The length of each permutation is n-1. Initialize distance to be graph[0][per[</a:t>
-            </a:r>
-            <a:r>
-              <a:rPr lang="en-IN" dirty="0" err="1"/>
-              <a:t>i</a:t>
-            </a:r>
-            <a:r>
-              <a:rPr lang="en-IN" dirty="0"/>
-              <a:t>][0]] (distance of start point to first point in </a:t>
-            </a:r>
-            <a:r>
-              <a:rPr lang="en-IN" dirty="0" err="1"/>
-              <a:t>i</a:t>
-            </a:r>
-            <a:r>
-              <a:rPr lang="en-IN" baseline="30000" dirty="0" err="1"/>
-              <a:t>th</a:t>
-            </a:r>
-            <a:r>
-              <a:rPr lang="en-IN" dirty="0"/>
-              <a:t> permutation). Now traverse through the </a:t>
-            </a:r>
-            <a:r>
-              <a:rPr lang="en-IN" dirty="0" err="1"/>
-              <a:t>i</a:t>
-            </a:r>
-            <a:r>
-              <a:rPr lang="en-IN" baseline="30000" dirty="0" err="1"/>
-              <a:t>th</a:t>
-            </a:r>
-            <a:r>
-              <a:rPr lang="en-IN" dirty="0"/>
-              <a:t> permutation and take j=1 to j=n-2. Add graph[per[</a:t>
-            </a:r>
-            <a:r>
-              <a:rPr lang="en-IN" dirty="0" err="1"/>
-              <a:t>i</a:t>
-            </a:r>
-            <a:r>
-              <a:rPr lang="en-IN" dirty="0"/>
-              <a:t>][j]][per[</a:t>
-            </a:r>
-            <a:r>
-              <a:rPr lang="en-IN" dirty="0" err="1"/>
-              <a:t>i</a:t>
-            </a:r>
-            <a:r>
-              <a:rPr lang="en-IN" dirty="0"/>
-              <a:t>][j+1]] to the distance.</a:t>
-            </a:r>
-          </a:p>
-          <a:p>
-            <a:r>
-              <a:rPr lang="en-IN" dirty="0"/>
-              <a:t>Find the total distances of all permutations and select the permutation with least distance as the optimal path.</a:t>
-            </a:r>
-          </a:p>
-          <a:p>
-            <a:r>
-              <a:rPr lang="en-IN" dirty="0"/>
-              <a:t>Time complexity is O(n!).</a:t>
+              <a:t>Make a copy of the adjacency matrix.</a:t>
+            </a:r>
+          </a:p>
+          <a:p>
+            <a:r>
+              <a:rPr lang="en-IN" dirty="0"/>
+              <a:t>Go to the nearest point from the start point and store the distance.</a:t>
+            </a:r>
+          </a:p>
+          <a:p>
+            <a:r>
+              <a:rPr lang="en-IN" dirty="0"/>
+              <a:t>Go to the next nearest point, add the distance between these points and delete the start point (delete all edges that contain it) and mark that nearest point as the new start point.</a:t>
+            </a:r>
+          </a:p>
+          <a:p>
+            <a:r>
+              <a:rPr lang="en-IN" dirty="0"/>
+              <a:t>Continue the above process until the copy of the adjacency matrix is emptied.</a:t>
+            </a:r>
+          </a:p>
+          <a:p>
+            <a:r>
+              <a:rPr lang="en-IN" dirty="0"/>
+              <a:t>Deletion reduces the complexity by a factor of n since we no longer need to check whether the point has already been visited because we delete the point after visiting at each iteration.</a:t>
+            </a:r>
+          </a:p>
+          <a:p>
+            <a:r>
+              <a:rPr lang="en-IN" dirty="0"/>
+              <a:t>Time complexity is O(n^2).</a:t>
             </a:r>
           </a:p>
         </p:txBody>
@@ -4949,7 +4973,7 @@
     </p:spTree>
     <p:extLst>
       <p:ext uri="{BB962C8B-B14F-4D97-AF65-F5344CB8AC3E}">
-        <p14:creationId xmlns:p14="http://schemas.microsoft.com/office/powerpoint/2010/main" val="3063243471"/>
+        <p14:creationId xmlns:p14="http://schemas.microsoft.com/office/powerpoint/2010/main" val="1466433882"/>
       </p:ext>
     </p:extLst>
   </p:cSld>
@@ -5102,7 +5126,7 @@
     </p:spTree>
     <p:extLst>
       <p:ext uri="{BB962C8B-B14F-4D97-AF65-F5344CB8AC3E}">
-        <p14:creationId xmlns:p14="http://schemas.microsoft.com/office/powerpoint/2010/main" val="1466433882"/>
+        <p14:creationId xmlns:p14="http://schemas.microsoft.com/office/powerpoint/2010/main" val="1309076910"/>
       </p:ext>
     </p:extLst>
   </p:cSld>
@@ -5168,7 +5192,7 @@
           <a:p>
             <a:r>
               <a:rPr lang="en-IN" dirty="0"/>
-              <a:t>                    Greedy Method on Graph</a:t>
+              <a:t>   Improvement of Greedy Method on Graph</a:t>
             </a:r>
           </a:p>
         </p:txBody>
@@ -5211,43 +5235,31 @@
         </p:style>
         <p:txBody>
           <a:bodyPr>
-            <a:normAutofit lnSpcReduction="10000"/>
+            <a:normAutofit/>
           </a:bodyPr>
           <a:lstStyle/>
           <a:p>
             <a:r>
               <a:rPr lang="en-IN" dirty="0"/>
-              <a:t>Make a copy of the adjacency matrix.</a:t>
-            </a:r>
-          </a:p>
-          <a:p>
-            <a:r>
-              <a:rPr lang="en-IN" dirty="0"/>
-              <a:t>Go to the nearest point from the start point and store the distance.</a:t>
-            </a:r>
-          </a:p>
-          <a:p>
-            <a:r>
-              <a:rPr lang="en-IN" dirty="0"/>
-              <a:t>Go to the next nearest point, add the distance between these points and delete the start point (delete all edges that contain it) and mark that nearest point as the new start point.</a:t>
-            </a:r>
-          </a:p>
-          <a:p>
-            <a:r>
-              <a:rPr lang="en-IN" dirty="0"/>
-              <a:t>Continue the above process until the copy of the adjacency matrix is emptied.</a:t>
-            </a:r>
-          </a:p>
-          <a:p>
-            <a:r>
-              <a:rPr lang="en-IN" dirty="0"/>
-              <a:t>Deletion reduces the complexity by a factor of n since we no longer need to check whether the point has already been visited because we delete the point after visiting at each iteration.</a:t>
-            </a:r>
-          </a:p>
-          <a:p>
-            <a:r>
-              <a:rPr lang="en-IN" dirty="0"/>
-              <a:t>Time complexity is O(n^2).</a:t>
+              <a:t>Since the result of greedy method is not always optimal, we can use the three methods used on greedy algorithm with coordinates as input on the greedy algorithm with graph as well.</a:t>
+            </a:r>
+          </a:p>
+          <a:p>
+            <a:r>
+              <a:rPr lang="en-IN" dirty="0"/>
+              <a:t>First is to pick up the last vertex of the resultant path and put as the second vertex and check whether the distance is reduced. </a:t>
+            </a:r>
+          </a:p>
+          <a:p>
+            <a:r>
+              <a:rPr lang="en-IN" dirty="0"/>
+              <a:t>Continue the same process until there is no more improvement or a counter variable reaches a big enough number say 40,000/n.</a:t>
+            </a:r>
+          </a:p>
+          <a:p>
+            <a:r>
+              <a:rPr lang="en-IN" dirty="0"/>
+              <a:t>This will require O(n) time.</a:t>
             </a:r>
           </a:p>
         </p:txBody>
@@ -5255,7 +5267,7 @@
     </p:spTree>
     <p:extLst>
       <p:ext uri="{BB962C8B-B14F-4D97-AF65-F5344CB8AC3E}">
-        <p14:creationId xmlns:p14="http://schemas.microsoft.com/office/powerpoint/2010/main" val="1309076910"/>
+        <p14:creationId xmlns:p14="http://schemas.microsoft.com/office/powerpoint/2010/main" val="3080719283"/>
       </p:ext>
     </p:extLst>
   </p:cSld>
@@ -5370,25 +5382,19 @@
           <a:p>
             <a:r>
               <a:rPr lang="en-IN" dirty="0"/>
-              <a:t>Since the result of greedy method is not always optimal, we can use the three methods used on greedy algorithm with coordinates as input on the greedy algorithm with graph as well.</a:t>
-            </a:r>
-          </a:p>
-          <a:p>
-            <a:r>
-              <a:rPr lang="en-IN" dirty="0"/>
-              <a:t>First is to pick up the last vertex of the resultant path and put as the second vertex and check whether the distance is reduced. </a:t>
-            </a:r>
-          </a:p>
-          <a:p>
-            <a:r>
-              <a:rPr lang="en-IN" dirty="0"/>
-              <a:t>Continue the same process until there is no more improvement or a counter variable reaches a big enough number say 40,000/n.</a:t>
-            </a:r>
-          </a:p>
-          <a:p>
-            <a:r>
-              <a:rPr lang="en-IN" dirty="0"/>
-              <a:t>This will require O(n) time.</a:t>
+              <a:t>In the second method, we take a counter variable initialized to 0 then pick up any random vertex (except the second and last vertices) and place it as the second vertex and check whether this change caused an improvement in the total distance to be travelled to cover all the points.</a:t>
+            </a:r>
+          </a:p>
+          <a:p>
+            <a:r>
+              <a:rPr lang="en-IN" dirty="0"/>
+              <a:t>If there is an improvement, we continue until there is no more improvement or the counter variable reaches a value say 40,000/n^2.</a:t>
+            </a:r>
+          </a:p>
+          <a:p>
+            <a:r>
+              <a:rPr lang="en-IN" dirty="0"/>
+              <a:t>Time required is O(n^2).</a:t>
             </a:r>
           </a:p>
         </p:txBody>
@@ -5396,7 +5402,7 @@
     </p:spTree>
     <p:extLst>
       <p:ext uri="{BB962C8B-B14F-4D97-AF65-F5344CB8AC3E}">
-        <p14:creationId xmlns:p14="http://schemas.microsoft.com/office/powerpoint/2010/main" val="3080719283"/>
+        <p14:creationId xmlns:p14="http://schemas.microsoft.com/office/powerpoint/2010/main" val="3454966010"/>
       </p:ext>
     </p:extLst>
   </p:cSld>
@@ -5457,16 +5463,14 @@
           </a:fontRef>
         </p:style>
         <p:txBody>
-          <a:bodyPr/>
-          <a:lstStyle/>
-          <a:p>
-            <a:r>
-              <a:rPr lang="en-IN" dirty="0"/>
-              <a:t>Project </a:t>
-            </a:r>
-            <a:r>
-              <a:rPr lang="en-IN"/>
-              <a:t>Review 2 </a:t>
+          <a:bodyPr>
+            <a:normAutofit fontScale="90000"/>
+          </a:bodyPr>
+          <a:lstStyle/>
+          <a:p>
+            <a:r>
+              <a:rPr lang="en-IN" dirty="0"/>
+              <a:t>Project Review 2 </a:t>
             </a:r>
             <a:br>
               <a:rPr lang="en-IN" dirty="0"/>
@@ -5475,6 +5479,10 @@
               <a:rPr lang="en-IN" dirty="0"/>
               <a:t>CSE2003 DSA</a:t>
             </a:r>
+            <a:br>
+              <a:rPr lang="en-IN" dirty="0"/>
+            </a:br>
+            <a:endParaRPr lang="en-IN" dirty="0"/>
           </a:p>
         </p:txBody>
       </p:sp>
@@ -5494,7 +5502,12 @@
             <p:ph type="subTitle" idx="1"/>
           </p:nvPr>
         </p:nvSpPr>
-        <p:spPr/>
+        <p:spPr>
+          <a:xfrm>
+            <a:off x="1524000" y="3602037"/>
+            <a:ext cx="9144000" cy="2279569"/>
+          </a:xfrm>
+        </p:spPr>
         <p:style>
           <a:lnRef idx="1">
             <a:schemeClr val="accent1"/>
@@ -5527,6 +5540,23 @@
               <a:rPr lang="en-IN" dirty="0"/>
               <a:t>“Delivery Management System”</a:t>
             </a:r>
+          </a:p>
+          <a:p>
+            <a:r>
+              <a:rPr lang="en-IN" dirty="0"/>
+              <a:t>Vellore Institute of Technology Chennai</a:t>
+            </a:r>
+          </a:p>
+          <a:p>
+            <a:r>
+              <a:rPr lang="en-IN" dirty="0"/>
+              <a:t>Gautam </a:t>
+            </a:r>
+            <a:r>
+              <a:rPr lang="en-IN"/>
+              <a:t>Sanjay Wadhwani 19BCE1209</a:t>
+            </a:r>
+            <a:endParaRPr lang="en-IN" dirty="0"/>
           </a:p>
           <a:p>
             <a:endParaRPr lang="en-IN" dirty="0"/>
@@ -5645,25 +5675,37 @@
         </p:style>
         <p:txBody>
           <a:bodyPr>
-            <a:normAutofit/>
+            <a:normAutofit fontScale="92500" lnSpcReduction="10000"/>
           </a:bodyPr>
           <a:lstStyle/>
           <a:p>
             <a:r>
               <a:rPr lang="en-IN" dirty="0"/>
-              <a:t>In the second method, we take a counter variable initialized to 0 then pick up any random vertex (except the second and last vertices) and place it as the second vertex and check whether this change caused an improvement in the total distance to be travelled to cover all the points.</a:t>
-            </a:r>
-          </a:p>
-          <a:p>
-            <a:r>
-              <a:rPr lang="en-IN" dirty="0"/>
-              <a:t>If there is an improvement, we continue until there is no more improvement or the counter variable reaches a value say 40,000/n^2.</a:t>
-            </a:r>
-          </a:p>
-          <a:p>
-            <a:r>
-              <a:rPr lang="en-IN" dirty="0"/>
-              <a:t>Time required is O(n^2).</a:t>
+              <a:t>In the third method, we take a counter variable initialized to 0 then pick up any two random vertices and swap them in the list and check whether this change caused an improvement in the total distance to be travelled to cover all the points.</a:t>
+            </a:r>
+          </a:p>
+          <a:p>
+            <a:r>
+              <a:rPr lang="en-IN" dirty="0"/>
+              <a:t>If there is an improvement, we continue until there is no more improvement or the counter variable reaches a value say 40,000/n^3.</a:t>
+            </a:r>
+          </a:p>
+          <a:p>
+            <a:r>
+              <a:rPr lang="en-IN" dirty="0"/>
+              <a:t>Time complexity is O(n^3).</a:t>
+            </a:r>
+          </a:p>
+          <a:p>
+            <a:r>
+              <a:rPr lang="en-IN" dirty="0"/>
+              <a:t>These three optimizations can cause much improvement in the accuracy of the answer.</a:t>
+            </a:r>
+          </a:p>
+          <a:p>
+            <a:r>
+              <a:rPr lang="en-IN" dirty="0"/>
+              <a:t>Since we don’t know the exact coordinates of the vertices in a graph DS, we cannot use the method that sorts on the basis of polar coordinates. This can be done if both graph and coordinates are taken as input.</a:t>
             </a:r>
           </a:p>
         </p:txBody>
@@ -5671,7 +5713,7 @@
     </p:spTree>
     <p:extLst>
       <p:ext uri="{BB962C8B-B14F-4D97-AF65-F5344CB8AC3E}">
-        <p14:creationId xmlns:p14="http://schemas.microsoft.com/office/powerpoint/2010/main" val="3454966010"/>
+        <p14:creationId xmlns:p14="http://schemas.microsoft.com/office/powerpoint/2010/main" val="3319889391"/>
       </p:ext>
     </p:extLst>
   </p:cSld>
@@ -5737,7 +5779,7 @@
           <a:p>
             <a:r>
               <a:rPr lang="en-IN" dirty="0"/>
-              <a:t>   Improvement of Greedy Method on Graph</a:t>
+              <a:t>                       Multiple Delivery Boys</a:t>
             </a:r>
           </a:p>
         </p:txBody>
@@ -5780,37 +5822,45 @@
         </p:style>
         <p:txBody>
           <a:bodyPr>
-            <a:normAutofit fontScale="92500" lnSpcReduction="10000"/>
+            <a:normAutofit/>
           </a:bodyPr>
           <a:lstStyle/>
           <a:p>
             <a:r>
               <a:rPr lang="en-IN" dirty="0"/>
-              <a:t>In the third method, we take a counter variable initialized to 0 then pick up any two random vertices and swap them in the list and check whether this change caused an improvement in the total distance to be travelled to cover all the points.</a:t>
-            </a:r>
-          </a:p>
-          <a:p>
-            <a:r>
-              <a:rPr lang="en-IN" dirty="0"/>
-              <a:t>If there is an improvement, we continue until there is no more improvement or the counter variable reaches a value say 40,000/n^3.</a:t>
-            </a:r>
-          </a:p>
-          <a:p>
-            <a:r>
-              <a:rPr lang="en-IN" dirty="0"/>
-              <a:t>Time complexity is O(n^3).</a:t>
-            </a:r>
-          </a:p>
-          <a:p>
-            <a:r>
-              <a:rPr lang="en-IN" dirty="0"/>
-              <a:t>These three optimizations can cause much improvement in the accuracy of the answer.</a:t>
-            </a:r>
-          </a:p>
-          <a:p>
-            <a:r>
-              <a:rPr lang="en-IN" dirty="0"/>
-              <a:t>Since we don’t know the exact coordinates of the vertices in a graph DS, we cannot use the method that sorts on the basis of polar coordinates. This can be done if both graph and coordinates are taken as input.</a:t>
+              <a:t>The above methods calculate the shortest path for a single delivery boy doing all deliveries.</a:t>
+            </a:r>
+          </a:p>
+          <a:p>
+            <a:r>
+              <a:rPr lang="en-IN" dirty="0"/>
+              <a:t>Since there can be more than one delivery boy, we have to divide the delivery points among them such that the deliveries are done fast.</a:t>
+            </a:r>
+          </a:p>
+          <a:p>
+            <a:r>
+              <a:rPr lang="en-IN" dirty="0"/>
+              <a:t>So, we sort the coordinates again on the basis of polar coordinates using </a:t>
+            </a:r>
+            <a:r>
+              <a:rPr lang="en-IN" dirty="0" err="1"/>
+              <a:t>mergesort</a:t>
+            </a:r>
+            <a:r>
+              <a:rPr lang="en-IN" dirty="0"/>
+              <a:t> as stated earlier.</a:t>
+            </a:r>
+          </a:p>
+          <a:p>
+            <a:r>
+              <a:rPr lang="en-IN" dirty="0"/>
+              <a:t>If the angle of two or more adjacent points in the resultant list is/are equal, they are on the same line and they should be done by the same person to save time and fuel.</a:t>
+            </a:r>
+          </a:p>
+          <a:p>
+            <a:r>
+              <a:rPr lang="en-IN" dirty="0"/>
+              <a:t>If we find a different angle then assign that to another person and continue this until all points are assigned to a delivery boy.</a:t>
             </a:r>
           </a:p>
         </p:txBody>
@@ -5818,7 +5868,7 @@
     </p:spTree>
     <p:extLst>
       <p:ext uri="{BB962C8B-B14F-4D97-AF65-F5344CB8AC3E}">
-        <p14:creationId xmlns:p14="http://schemas.microsoft.com/office/powerpoint/2010/main" val="3319889391"/>
+        <p14:creationId xmlns:p14="http://schemas.microsoft.com/office/powerpoint/2010/main" val="3948820488"/>
       </p:ext>
     </p:extLst>
   </p:cSld>
@@ -5883,161 +5933,6 @@
           <a:lstStyle/>
           <a:p>
             <a:r>
-              <a:rPr lang="en-IN" dirty="0"/>
-              <a:t>                       Multiple Delivery Boys</a:t>
-            </a:r>
-          </a:p>
-        </p:txBody>
-      </p:sp>
-      <p:sp>
-        <p:nvSpPr>
-          <p:cNvPr id="3" name="Content Placeholder 2">
-            <a:extLst>
-              <a:ext uri="{FF2B5EF4-FFF2-40B4-BE49-F238E27FC236}">
-                <a16:creationId xmlns:a16="http://schemas.microsoft.com/office/drawing/2014/main" id="{CFAAD8AA-A021-49FA-BCBF-0C780B0988CF}"/>
-              </a:ext>
-            </a:extLst>
-          </p:cNvPr>
-          <p:cNvSpPr>
-            <a:spLocks noGrp="1"/>
-          </p:cNvSpPr>
-          <p:nvPr>
-            <p:ph idx="1"/>
-          </p:nvPr>
-        </p:nvSpPr>
-        <p:spPr>
-          <a:xfrm>
-            <a:off x="838200" y="1825624"/>
-            <a:ext cx="10515600" cy="4853471"/>
-          </a:xfrm>
-        </p:spPr>
-        <p:style>
-          <a:lnRef idx="1">
-            <a:schemeClr val="accent1"/>
-          </a:lnRef>
-          <a:fillRef idx="2">
-            <a:schemeClr val="accent1"/>
-          </a:fillRef>
-          <a:effectRef idx="1">
-            <a:schemeClr val="accent1"/>
-          </a:effectRef>
-          <a:fontRef idx="minor">
-            <a:schemeClr val="dk1"/>
-          </a:fontRef>
-        </p:style>
-        <p:txBody>
-          <a:bodyPr>
-            <a:normAutofit/>
-          </a:bodyPr>
-          <a:lstStyle/>
-          <a:p>
-            <a:r>
-              <a:rPr lang="en-IN" dirty="0"/>
-              <a:t>The above methods calculate the shortest path for a single delivery boy doing all deliveries.</a:t>
-            </a:r>
-          </a:p>
-          <a:p>
-            <a:r>
-              <a:rPr lang="en-IN" dirty="0"/>
-              <a:t>Since there can be more than one delivery boy, we have to divide the delivery points among them such that the deliveries are done fast.</a:t>
-            </a:r>
-          </a:p>
-          <a:p>
-            <a:r>
-              <a:rPr lang="en-IN" dirty="0"/>
-              <a:t>So, we sort the coordinates again on the basis of polar coordinates using </a:t>
-            </a:r>
-            <a:r>
-              <a:rPr lang="en-IN" dirty="0" err="1"/>
-              <a:t>mergesort</a:t>
-            </a:r>
-            <a:r>
-              <a:rPr lang="en-IN" dirty="0"/>
-              <a:t> as stated earlier.</a:t>
-            </a:r>
-          </a:p>
-          <a:p>
-            <a:r>
-              <a:rPr lang="en-IN" dirty="0"/>
-              <a:t>If the angle of two or more adjacent points in the resultant list is/are equal, they are on the same line and they should be done by the same person to save time and fuel.</a:t>
-            </a:r>
-          </a:p>
-          <a:p>
-            <a:r>
-              <a:rPr lang="en-IN" dirty="0"/>
-              <a:t>If we find a different angle then assign that to another person and continue this until all points are assigned to a delivery boy.</a:t>
-            </a:r>
-          </a:p>
-        </p:txBody>
-      </p:sp>
-    </p:spTree>
-    <p:extLst>
-      <p:ext uri="{BB962C8B-B14F-4D97-AF65-F5344CB8AC3E}">
-        <p14:creationId xmlns:p14="http://schemas.microsoft.com/office/powerpoint/2010/main" val="3948820488"/>
-      </p:ext>
-    </p:extLst>
-  </p:cSld>
-  <p:clrMapOvr>
-    <a:masterClrMapping/>
-  </p:clrMapOvr>
-</p:sld>
-</file>
-
-<file path=ppt/slides/slide23.xml><?xml version="1.0" encoding="utf-8"?>
-<p:sld xmlns:a="http://schemas.openxmlformats.org/drawingml/2006/main" xmlns:r="http://schemas.openxmlformats.org/officeDocument/2006/relationships" xmlns:p="http://schemas.openxmlformats.org/presentationml/2006/main">
-  <p:cSld>
-    <p:spTree>
-      <p:nvGrpSpPr>
-        <p:cNvPr id="1" name=""/>
-        <p:cNvGrpSpPr/>
-        <p:nvPr/>
-      </p:nvGrpSpPr>
-      <p:grpSpPr>
-        <a:xfrm>
-          <a:off x="0" y="0"/>
-          <a:ext cx="0" cy="0"/>
-          <a:chOff x="0" y="0"/>
-          <a:chExt cx="0" cy="0"/>
-        </a:xfrm>
-      </p:grpSpPr>
-      <p:sp>
-        <p:nvSpPr>
-          <p:cNvPr id="2" name="Title 1">
-            <a:extLst>
-              <a:ext uri="{FF2B5EF4-FFF2-40B4-BE49-F238E27FC236}">
-                <a16:creationId xmlns:a16="http://schemas.microsoft.com/office/drawing/2014/main" id="{AF4E8AAF-5F77-417A-A1C3-D3FC3338260F}"/>
-              </a:ext>
-            </a:extLst>
-          </p:cNvPr>
-          <p:cNvSpPr>
-            <a:spLocks noGrp="1"/>
-          </p:cNvSpPr>
-          <p:nvPr>
-            <p:ph type="title"/>
-          </p:nvPr>
-        </p:nvSpPr>
-        <p:spPr/>
-        <p:style>
-          <a:lnRef idx="2">
-            <a:schemeClr val="accent1">
-              <a:shade val="50000"/>
-            </a:schemeClr>
-          </a:lnRef>
-          <a:fillRef idx="1">
-            <a:schemeClr val="accent1"/>
-          </a:fillRef>
-          <a:effectRef idx="0">
-            <a:schemeClr val="accent1"/>
-          </a:effectRef>
-          <a:fontRef idx="minor">
-            <a:schemeClr val="lt1"/>
-          </a:fontRef>
-        </p:style>
-        <p:txBody>
-          <a:bodyPr/>
-          <a:lstStyle/>
-          <a:p>
-            <a:r>
               <a:rPr lang="en-IN"/>
               <a:t>                           Conclusion</a:t>
             </a:r>
@@ -6137,7 +6032,7 @@
 </p:sld>
 </file>
 
-<file path=ppt/slides/slide24.xml><?xml version="1.0" encoding="utf-8"?>
+<file path=ppt/slides/slide23.xml><?xml version="1.0" encoding="utf-8"?>
 <p:sld xmlns:a="http://schemas.openxmlformats.org/drawingml/2006/main" xmlns:r="http://schemas.openxmlformats.org/officeDocument/2006/relationships" xmlns:p="http://schemas.openxmlformats.org/presentationml/2006/main">
   <p:cSld>
     <p:spTree>
@@ -6238,7 +6133,7 @@
           <p:cNvPr id="2" name="Title 1">
             <a:extLst>
               <a:ext uri="{FF2B5EF4-FFF2-40B4-BE49-F238E27FC236}">
-                <a16:creationId xmlns:a16="http://schemas.microsoft.com/office/drawing/2014/main" id="{3C027AEF-4CD9-4261-9BF3-3830212C0E59}"/>
+                <a16:creationId xmlns:a16="http://schemas.microsoft.com/office/drawing/2014/main" id="{EC64A022-6D44-404E-B6AD-5DFFCBB2C7B1}"/>
               </a:ext>
             </a:extLst>
           </p:cNvPr>
@@ -6272,7 +6167,7 @@
           <a:p>
             <a:r>
               <a:rPr lang="en-IN" dirty="0"/>
-              <a:t>                               Teammates</a:t>
+              <a:t>                          About Project</a:t>
             </a:r>
           </a:p>
         </p:txBody>
@@ -6282,7 +6177,7 @@
           <p:cNvPr id="3" name="Content Placeholder 2">
             <a:extLst>
               <a:ext uri="{FF2B5EF4-FFF2-40B4-BE49-F238E27FC236}">
-                <a16:creationId xmlns:a16="http://schemas.microsoft.com/office/drawing/2014/main" id="{D0B2F386-A24E-4FCC-9C9D-4AB151029FFF}"/>
+                <a16:creationId xmlns:a16="http://schemas.microsoft.com/office/drawing/2014/main" id="{914EEC4B-DCA4-425F-ABD9-7866E62662B2}"/>
               </a:ext>
             </a:extLst>
           </p:cNvPr>
@@ -6293,12 +6188,7 @@
             <p:ph idx="1"/>
           </p:nvPr>
         </p:nvSpPr>
-        <p:spPr>
-          <a:xfrm>
-            <a:off x="838200" y="1825625"/>
-            <a:ext cx="10515600" cy="4351338"/>
-          </a:xfrm>
-        </p:spPr>
+        <p:spPr/>
         <p:style>
           <a:lnRef idx="1">
             <a:schemeClr val="accent1"/>
@@ -6319,23 +6209,21 @@
           <a:p>
             <a:r>
               <a:rPr lang="en-IN" dirty="0"/>
-              <a:t>Harsh Sharma 19BCE1464</a:t>
-            </a:r>
-          </a:p>
-          <a:p>
-            <a:r>
-              <a:rPr lang="en-IN" dirty="0" err="1"/>
-              <a:t>Shreeharsh</a:t>
-            </a:r>
-            <a:r>
-              <a:rPr lang="en-IN" dirty="0"/>
-              <a:t> Pandey 19BCE1818</a:t>
-            </a:r>
-          </a:p>
-          <a:p>
-            <a:r>
-              <a:rPr lang="en-IN" dirty="0"/>
-              <a:t>Gautam Sanjay Wadhwani 19BCE1209</a:t>
+              <a:t>In this project we are going to find shortest path for delivering different orders.</a:t>
+            </a:r>
+          </a:p>
+          <a:p>
+            <a:r>
+              <a:rPr lang="en-IN" dirty="0"/>
+              <a:t>It will helpful in reduce time taken to deliver and enhance </a:t>
+            </a:r>
+            <a:r>
+              <a:rPr lang="en-IN"/>
+              <a:t>the process </a:t>
+            </a:r>
+            <a:r>
+              <a:rPr lang="en-IN" dirty="0"/>
+              <a:t>of delivery. </a:t>
             </a:r>
           </a:p>
         </p:txBody>
@@ -6343,7 +6231,7 @@
     </p:spTree>
     <p:extLst>
       <p:ext uri="{BB962C8B-B14F-4D97-AF65-F5344CB8AC3E}">
-        <p14:creationId xmlns:p14="http://schemas.microsoft.com/office/powerpoint/2010/main" val="1126094981"/>
+        <p14:creationId xmlns:p14="http://schemas.microsoft.com/office/powerpoint/2010/main" val="2452548430"/>
       </p:ext>
     </p:extLst>
   </p:cSld>
@@ -6375,7 +6263,7 @@
           <p:cNvPr id="2" name="Title 1">
             <a:extLst>
               <a:ext uri="{FF2B5EF4-FFF2-40B4-BE49-F238E27FC236}">
-                <a16:creationId xmlns:a16="http://schemas.microsoft.com/office/drawing/2014/main" id="{EC64A022-6D44-404E-B6AD-5DFFCBB2C7B1}"/>
+                <a16:creationId xmlns:a16="http://schemas.microsoft.com/office/drawing/2014/main" id="{34155998-410D-43F1-A341-3C216794ACE8}"/>
               </a:ext>
             </a:extLst>
           </p:cNvPr>
@@ -6409,7 +6297,7 @@
           <a:p>
             <a:r>
               <a:rPr lang="en-IN" dirty="0"/>
-              <a:t>                          About Project</a:t>
+              <a:t>                                Example</a:t>
             </a:r>
           </a:p>
         </p:txBody>
@@ -6419,7 +6307,7 @@
           <p:cNvPr id="3" name="Content Placeholder 2">
             <a:extLst>
               <a:ext uri="{FF2B5EF4-FFF2-40B4-BE49-F238E27FC236}">
-                <a16:creationId xmlns:a16="http://schemas.microsoft.com/office/drawing/2014/main" id="{914EEC4B-DCA4-425F-ABD9-7866E62662B2}"/>
+                <a16:creationId xmlns:a16="http://schemas.microsoft.com/office/drawing/2014/main" id="{DEFE8CA0-A2BC-4B03-BA38-67557375FB2F}"/>
               </a:ext>
             </a:extLst>
           </p:cNvPr>
@@ -6451,21 +6339,34 @@
           <a:p>
             <a:r>
               <a:rPr lang="en-IN" dirty="0"/>
-              <a:t>In this project we are going to find shortest path for delivering different orders.</a:t>
-            </a:r>
-          </a:p>
-          <a:p>
-            <a:r>
-              <a:rPr lang="en-IN" dirty="0"/>
-              <a:t>It will helpful in reduce time taken to deliver and enhance </a:t>
-            </a:r>
-            <a:r>
-              <a:rPr lang="en-IN"/>
-              <a:t>the process </a:t>
-            </a:r>
-            <a:r>
-              <a:rPr lang="en-IN" dirty="0"/>
-              <a:t>of delivery. </a:t>
+              <a:t>Where we can use this-</a:t>
+            </a:r>
+          </a:p>
+          <a:p>
+            <a:pPr marL="0" indent="0">
+              <a:buNone/>
+            </a:pPr>
+            <a:r>
+              <a:rPr lang="en-IN" dirty="0"/>
+              <a:t>1.Food delivery</a:t>
+            </a:r>
+          </a:p>
+          <a:p>
+            <a:pPr marL="0" indent="0">
+              <a:buNone/>
+            </a:pPr>
+            <a:r>
+              <a:rPr lang="en-IN" dirty="0"/>
+              <a:t>2.Courier services</a:t>
+            </a:r>
+          </a:p>
+          <a:p>
+            <a:pPr marL="0" indent="0">
+              <a:buNone/>
+            </a:pPr>
+            <a:r>
+              <a:rPr lang="en-IN" dirty="0"/>
+              <a:t>3.Grocery delivery</a:t>
             </a:r>
           </a:p>
         </p:txBody>
@@ -6473,7 +6374,7 @@
     </p:spTree>
     <p:extLst>
       <p:ext uri="{BB962C8B-B14F-4D97-AF65-F5344CB8AC3E}">
-        <p14:creationId xmlns:p14="http://schemas.microsoft.com/office/powerpoint/2010/main" val="2452548430"/>
+        <p14:creationId xmlns:p14="http://schemas.microsoft.com/office/powerpoint/2010/main" val="4239149191"/>
       </p:ext>
     </p:extLst>
   </p:cSld>
@@ -6505,7 +6406,7 @@
           <p:cNvPr id="2" name="Title 1">
             <a:extLst>
               <a:ext uri="{FF2B5EF4-FFF2-40B4-BE49-F238E27FC236}">
-                <a16:creationId xmlns:a16="http://schemas.microsoft.com/office/drawing/2014/main" id="{34155998-410D-43F1-A341-3C216794ACE8}"/>
+                <a16:creationId xmlns:a16="http://schemas.microsoft.com/office/drawing/2014/main" id="{02B2933A-8ADD-40EA-ADB1-6260D07CA5F8}"/>
               </a:ext>
             </a:extLst>
           </p:cNvPr>
@@ -6539,7 +6440,15 @@
           <a:p>
             <a:r>
               <a:rPr lang="en-IN" dirty="0"/>
-              <a:t>                                Example</a:t>
+              <a:t>                     Tools We are </a:t>
+            </a:r>
+            <a:r>
+              <a:rPr lang="en-IN" dirty="0" err="1"/>
+              <a:t>Gona</a:t>
+            </a:r>
+            <a:r>
+              <a:rPr lang="en-IN" dirty="0"/>
+              <a:t> Use</a:t>
             </a:r>
           </a:p>
         </p:txBody>
@@ -6549,7 +6458,7 @@
           <p:cNvPr id="3" name="Content Placeholder 2">
             <a:extLst>
               <a:ext uri="{FF2B5EF4-FFF2-40B4-BE49-F238E27FC236}">
-                <a16:creationId xmlns:a16="http://schemas.microsoft.com/office/drawing/2014/main" id="{DEFE8CA0-A2BC-4B03-BA38-67557375FB2F}"/>
+                <a16:creationId xmlns:a16="http://schemas.microsoft.com/office/drawing/2014/main" id="{A4688DC3-B1C0-47EE-A6AF-65C39B16357F}"/>
               </a:ext>
             </a:extLst>
           </p:cNvPr>
@@ -6579,36 +6488,27 @@
           <a:bodyPr/>
           <a:lstStyle/>
           <a:p>
-            <a:r>
-              <a:rPr lang="en-IN" dirty="0"/>
-              <a:t>Where we can use this-</a:t>
-            </a:r>
-          </a:p>
-          <a:p>
-            <a:pPr marL="0" indent="0">
-              <a:buNone/>
-            </a:pPr>
-            <a:r>
-              <a:rPr lang="en-IN" dirty="0"/>
-              <a:t>1.Food delivery</a:t>
-            </a:r>
-          </a:p>
-          <a:p>
-            <a:pPr marL="0" indent="0">
-              <a:buNone/>
-            </a:pPr>
-            <a:r>
-              <a:rPr lang="en-IN" dirty="0"/>
-              <a:t>2.Courier services</a:t>
-            </a:r>
-          </a:p>
-          <a:p>
-            <a:pPr marL="0" indent="0">
-              <a:buNone/>
-            </a:pPr>
-            <a:r>
-              <a:rPr lang="en-IN" dirty="0"/>
-              <a:t>3.Grocery delivery</a:t>
+            <a:endParaRPr lang="en-IN" dirty="0"/>
+          </a:p>
+          <a:p>
+            <a:endParaRPr lang="en-IN" dirty="0"/>
+          </a:p>
+          <a:p>
+            <a:r>
+              <a:rPr lang="en-IN" dirty="0"/>
+              <a:t>Python </a:t>
+            </a:r>
+          </a:p>
+          <a:p>
+            <a:r>
+              <a:rPr lang="en-IN" dirty="0"/>
+              <a:t>Brute force </a:t>
+            </a:r>
+          </a:p>
+          <a:p>
+            <a:r>
+              <a:rPr lang="en-IN" dirty="0"/>
+              <a:t>Greedy techniques</a:t>
             </a:r>
           </a:p>
         </p:txBody>
@@ -6616,7 +6516,7 @@
     </p:spTree>
     <p:extLst>
       <p:ext uri="{BB962C8B-B14F-4D97-AF65-F5344CB8AC3E}">
-        <p14:creationId xmlns:p14="http://schemas.microsoft.com/office/powerpoint/2010/main" val="4239149191"/>
+        <p14:creationId xmlns:p14="http://schemas.microsoft.com/office/powerpoint/2010/main" val="2886631639"/>
       </p:ext>
     </p:extLst>
   </p:cSld>
@@ -6648,7 +6548,7 @@
           <p:cNvPr id="2" name="Title 1">
             <a:extLst>
               <a:ext uri="{FF2B5EF4-FFF2-40B4-BE49-F238E27FC236}">
-                <a16:creationId xmlns:a16="http://schemas.microsoft.com/office/drawing/2014/main" id="{02B2933A-8ADD-40EA-ADB1-6260D07CA5F8}"/>
+                <a16:creationId xmlns:a16="http://schemas.microsoft.com/office/drawing/2014/main" id="{AF4E8AAF-5F77-417A-A1C3-D3FC3338260F}"/>
               </a:ext>
             </a:extLst>
           </p:cNvPr>
@@ -6682,15 +6582,7 @@
           <a:p>
             <a:r>
               <a:rPr lang="en-IN" dirty="0"/>
-              <a:t>                     Tools We are </a:t>
-            </a:r>
-            <a:r>
-              <a:rPr lang="en-IN" dirty="0" err="1"/>
-              <a:t>Gona</a:t>
-            </a:r>
-            <a:r>
-              <a:rPr lang="en-IN" dirty="0"/>
-              <a:t> Use</a:t>
+              <a:t>                    How the Project Work</a:t>
             </a:r>
           </a:p>
         </p:txBody>
@@ -6700,7 +6592,7 @@
           <p:cNvPr id="3" name="Content Placeholder 2">
             <a:extLst>
               <a:ext uri="{FF2B5EF4-FFF2-40B4-BE49-F238E27FC236}">
-                <a16:creationId xmlns:a16="http://schemas.microsoft.com/office/drawing/2014/main" id="{A4688DC3-B1C0-47EE-A6AF-65C39B16357F}"/>
+                <a16:creationId xmlns:a16="http://schemas.microsoft.com/office/drawing/2014/main" id="{CFAAD8AA-A021-49FA-BCBF-0C780B0988CF}"/>
               </a:ext>
             </a:extLst>
           </p:cNvPr>
@@ -6730,27 +6622,33 @@
           <a:bodyPr/>
           <a:lstStyle/>
           <a:p>
-            <a:endParaRPr lang="en-IN" dirty="0"/>
-          </a:p>
-          <a:p>
-            <a:endParaRPr lang="en-IN" dirty="0"/>
-          </a:p>
-          <a:p>
-            <a:r>
-              <a:rPr lang="en-IN" dirty="0"/>
-              <a:t>Python </a:t>
-            </a:r>
-          </a:p>
-          <a:p>
-            <a:r>
-              <a:rPr lang="en-IN" dirty="0"/>
-              <a:t>Brute force </a:t>
-            </a:r>
-          </a:p>
-          <a:p>
-            <a:r>
-              <a:rPr lang="en-IN" dirty="0"/>
-              <a:t>Greedy techniques</a:t>
+            <a:r>
+              <a:rPr lang="en-IN" dirty="0"/>
+              <a:t>The code will try all the permutation of the given coordinates and find the shortest path covering all the coordinates.</a:t>
+            </a:r>
+          </a:p>
+          <a:p>
+            <a:r>
+              <a:rPr lang="en-IN" dirty="0"/>
+              <a:t>The start point will be input first and then we will enter the coordinates.</a:t>
+            </a:r>
+          </a:p>
+          <a:p>
+            <a:r>
+              <a:rPr lang="en-IN" dirty="0"/>
+              <a:t>We will try greedy algorithm and divide and conquer .</a:t>
+            </a:r>
+          </a:p>
+          <a:p>
+            <a:r>
+              <a:rPr lang="en-IN" dirty="0"/>
+              <a:t>Or we will combine this two algorithm.</a:t>
+            </a:r>
+          </a:p>
+          <a:p>
+            <a:r>
+              <a:rPr lang="en-IN" dirty="0"/>
+              <a:t>If the value of n(number of coordinates) is high we will us approximate method.</a:t>
             </a:r>
           </a:p>
         </p:txBody>
@@ -6758,7 +6656,7 @@
     </p:spTree>
     <p:extLst>
       <p:ext uri="{BB962C8B-B14F-4D97-AF65-F5344CB8AC3E}">
-        <p14:creationId xmlns:p14="http://schemas.microsoft.com/office/powerpoint/2010/main" val="2886631639"/>
+        <p14:creationId xmlns:p14="http://schemas.microsoft.com/office/powerpoint/2010/main" val="46333580"/>
       </p:ext>
     </p:extLst>
   </p:cSld>
@@ -6824,7 +6722,7 @@
           <a:p>
             <a:r>
               <a:rPr lang="en-IN" dirty="0"/>
-              <a:t>                    How the Project Work</a:t>
+              <a:t>                    Brute Force Method</a:t>
             </a:r>
           </a:p>
         </p:txBody>
@@ -6861,36 +6759,44 @@
           </a:fontRef>
         </p:style>
         <p:txBody>
-          <a:bodyPr/>
-          <a:lstStyle/>
-          <a:p>
-            <a:r>
-              <a:rPr lang="en-IN" dirty="0"/>
-              <a:t>The code will try all the permutation of the given coordinates and find the shortest path covering all the coordinates.</a:t>
-            </a:r>
-          </a:p>
-          <a:p>
-            <a:r>
-              <a:rPr lang="en-IN" dirty="0"/>
-              <a:t>The start point will be input first and then we will enter the coordinates.</a:t>
-            </a:r>
-          </a:p>
-          <a:p>
-            <a:r>
-              <a:rPr lang="en-IN" dirty="0"/>
-              <a:t>We will try greedy algorithm and divide and conquer .</a:t>
-            </a:r>
-          </a:p>
-          <a:p>
-            <a:r>
-              <a:rPr lang="en-IN" dirty="0"/>
-              <a:t>Or we will combine this two algorithm.</a:t>
-            </a:r>
-          </a:p>
-          <a:p>
-            <a:r>
-              <a:rPr lang="en-IN" dirty="0"/>
-              <a:t>If the value of n(number of coordinates) is high we will us approximate method.</a:t>
+          <a:bodyPr>
+            <a:normAutofit fontScale="92500" lnSpcReduction="20000"/>
+          </a:bodyPr>
+          <a:lstStyle/>
+          <a:p>
+            <a:r>
+              <a:rPr lang="en-IN" dirty="0"/>
+              <a:t>Start point is taken as input then all the coordinates where delivery is to be done are taken as input.</a:t>
+            </a:r>
+          </a:p>
+          <a:p>
+            <a:r>
+              <a:rPr lang="en-IN" dirty="0"/>
+              <a:t>Try all the permutations of the coordinates except the start point and find the shortest path covering all the coordinates and the corresponding shortest distance.</a:t>
+            </a:r>
+          </a:p>
+          <a:p>
+            <a:r>
+              <a:rPr lang="en-IN" dirty="0"/>
+              <a:t>A recursive function is used to find all possible permutations of the list of delivery points.</a:t>
+            </a:r>
+          </a:p>
+          <a:p>
+            <a:r>
+              <a:rPr lang="en-IN" dirty="0"/>
+              <a:t>The advantage of this method is that we get an exact answer.</a:t>
+            </a:r>
+          </a:p>
+          <a:p>
+            <a:r>
+              <a:rPr lang="en-IN" dirty="0"/>
+              <a:t>The disadvantage is that since we need to try all possible permutations, the time complexity is O(n!) which is too high.</a:t>
+            </a:r>
+          </a:p>
+          <a:p>
+            <a:r>
+              <a:rPr lang="en-IN" dirty="0"/>
+              <a:t>This algorithm can be used for n&lt;8 for which it took around 30 seconds to run.</a:t>
             </a:r>
           </a:p>
         </p:txBody>
@@ -6898,7 +6804,7 @@
     </p:spTree>
     <p:extLst>
       <p:ext uri="{BB962C8B-B14F-4D97-AF65-F5344CB8AC3E}">
-        <p14:creationId xmlns:p14="http://schemas.microsoft.com/office/powerpoint/2010/main" val="46333580"/>
+        <p14:creationId xmlns:p14="http://schemas.microsoft.com/office/powerpoint/2010/main" val="902417309"/>
       </p:ext>
     </p:extLst>
   </p:cSld>
@@ -6964,7 +6870,7 @@
           <a:p>
             <a:r>
               <a:rPr lang="en-IN" dirty="0"/>
-              <a:t>                    Brute Force Method</a:t>
+              <a:t>                    Optimization of this method</a:t>
             </a:r>
           </a:p>
         </p:txBody>
@@ -7002,43 +6908,31 @@
         </p:style>
         <p:txBody>
           <a:bodyPr>
-            <a:normAutofit fontScale="92500" lnSpcReduction="20000"/>
+            <a:normAutofit/>
           </a:bodyPr>
           <a:lstStyle/>
           <a:p>
             <a:r>
               <a:rPr lang="en-IN" dirty="0"/>
-              <a:t>Start point is taken as input then all the coordinates where delivery is to be done are taken as input.</a:t>
-            </a:r>
-          </a:p>
-          <a:p>
-            <a:r>
-              <a:rPr lang="en-IN" dirty="0"/>
-              <a:t>Try all the permutations of the coordinates except the start point and find the shortest path covering all the coordinates and the corresponding shortest distance.</a:t>
-            </a:r>
-          </a:p>
-          <a:p>
-            <a:r>
-              <a:rPr lang="en-IN" dirty="0"/>
-              <a:t>A recursive function is used to find all possible permutations of the list of delivery points.</a:t>
-            </a:r>
-          </a:p>
-          <a:p>
-            <a:r>
-              <a:rPr lang="en-IN" dirty="0"/>
-              <a:t>The advantage of this method is that we get an exact answer.</a:t>
-            </a:r>
-          </a:p>
-          <a:p>
-            <a:r>
-              <a:rPr lang="en-IN" dirty="0"/>
-              <a:t>The disadvantage is that since we need to try all possible permutations, the time complexity is O(n!) which is too high.</a:t>
-            </a:r>
-          </a:p>
-          <a:p>
-            <a:r>
-              <a:rPr lang="en-IN" dirty="0"/>
-              <a:t>This algorithm can be used for n&lt;8 for which it took around 30 seconds to run.</a:t>
+              <a:t>We need to traverse through the list of permutations generated and find the distance for each permutation.</a:t>
+            </a:r>
+          </a:p>
+          <a:p>
+            <a:r>
+              <a:rPr lang="en-IN" dirty="0"/>
+              <a:t>If at any point, the distance until that point is more than or equal to the minimum distance recorded so far, break the loop since it will lead to a longer path so no need to calculate the total distance for that particular path .</a:t>
+            </a:r>
+          </a:p>
+          <a:p>
+            <a:r>
+              <a:rPr lang="en-IN" dirty="0"/>
+              <a:t>We will still get an exact answer but the time complexity is still not much affected.</a:t>
+            </a:r>
+          </a:p>
+          <a:p>
+            <a:r>
+              <a:rPr lang="en-IN" dirty="0"/>
+              <a:t>So for n&gt;=8, we use approximate greedy method.</a:t>
             </a:r>
           </a:p>
         </p:txBody>
@@ -7046,7 +6940,7 @@
     </p:spTree>
     <p:extLst>
       <p:ext uri="{BB962C8B-B14F-4D97-AF65-F5344CB8AC3E}">
-        <p14:creationId xmlns:p14="http://schemas.microsoft.com/office/powerpoint/2010/main" val="902417309"/>
+        <p14:creationId xmlns:p14="http://schemas.microsoft.com/office/powerpoint/2010/main" val="1086211098"/>
       </p:ext>
     </p:extLst>
   </p:cSld>
@@ -7112,7 +7006,7 @@
           <a:p>
             <a:r>
               <a:rPr lang="en-IN" dirty="0"/>
-              <a:t>                    Optimization of this method</a:t>
+              <a:t>                    Greedy Method</a:t>
             </a:r>
           </a:p>
         </p:txBody>
@@ -7156,25 +7050,40 @@
           <a:p>
             <a:r>
               <a:rPr lang="en-IN" dirty="0"/>
-              <a:t>We need to traverse through the list of permutations generated and find the distance for each permutation.</a:t>
-            </a:r>
-          </a:p>
-          <a:p>
-            <a:r>
-              <a:rPr lang="en-IN" dirty="0"/>
-              <a:t>If at any point, the distance until that point is more than or equal to the minimum distance recorded so far, break the loop since it will lead to a longer path so no need to calculate the total distance for that particular path .</a:t>
-            </a:r>
-          </a:p>
-          <a:p>
-            <a:r>
-              <a:rPr lang="en-IN" dirty="0"/>
-              <a:t>We will still get an exact answer but the time complexity is still not much affected.</a:t>
-            </a:r>
-          </a:p>
-          <a:p>
-            <a:r>
-              <a:rPr lang="en-IN" dirty="0"/>
-              <a:t>So for n&gt;=8, we use approximate greedy method.</a:t>
+              <a:t>First make a copy of the input list of coordinates.</a:t>
+            </a:r>
+          </a:p>
+          <a:p>
+            <a:r>
+              <a:rPr lang="en-IN" dirty="0"/>
+              <a:t>Go to the nearest point from the start point and find the distance.</a:t>
+            </a:r>
+          </a:p>
+          <a:p>
+            <a:r>
+              <a:rPr lang="en-IN" dirty="0"/>
+              <a:t>Now new start point is that nearest point and delete it from the copy</a:t>
+            </a:r>
+          </a:p>
+          <a:p>
+            <a:pPr marL="0" indent="0">
+              <a:buNone/>
+            </a:pPr>
+            <a:r>
+              <a:rPr lang="en-IN" dirty="0"/>
+              <a:t> of the list.</a:t>
+            </a:r>
+          </a:p>
+          <a:p>
+            <a:r>
+              <a:rPr lang="en-IN" dirty="0"/>
+              <a:t>Now go to the next nearest point and continue until the copy list becomes empty.</a:t>
+            </a:r>
+          </a:p>
+          <a:p>
+            <a:r>
+              <a:rPr lang="en-IN" dirty="0"/>
+              <a:t>The time complexity of this method is O(n^2) but it will not always lead you to the shortest path.</a:t>
             </a:r>
           </a:p>
         </p:txBody>
@@ -7182,7 +7091,7 @@
     </p:spTree>
     <p:extLst>
       <p:ext uri="{BB962C8B-B14F-4D97-AF65-F5344CB8AC3E}">
-        <p14:creationId xmlns:p14="http://schemas.microsoft.com/office/powerpoint/2010/main" val="1086211098"/>
+        <p14:creationId xmlns:p14="http://schemas.microsoft.com/office/powerpoint/2010/main" val="1292591117"/>
       </p:ext>
     </p:extLst>
   </p:cSld>

--- a/DSA Project review.pptx
+++ b/DSA Project review.pptx
@@ -7,27 +7,28 @@
   <p:sldIdLst>
     <p:sldId id="260" r:id="rId2"/>
     <p:sldId id="256" r:id="rId3"/>
-    <p:sldId id="258" r:id="rId4"/>
-    <p:sldId id="261" r:id="rId5"/>
-    <p:sldId id="263" r:id="rId6"/>
-    <p:sldId id="259" r:id="rId7"/>
-    <p:sldId id="264" r:id="rId8"/>
-    <p:sldId id="265" r:id="rId9"/>
-    <p:sldId id="266" r:id="rId10"/>
-    <p:sldId id="267" r:id="rId11"/>
-    <p:sldId id="268" r:id="rId12"/>
-    <p:sldId id="269" r:id="rId13"/>
-    <p:sldId id="270" r:id="rId14"/>
-    <p:sldId id="271" r:id="rId15"/>
-    <p:sldId id="272" r:id="rId16"/>
-    <p:sldId id="273" r:id="rId17"/>
-    <p:sldId id="274" r:id="rId18"/>
-    <p:sldId id="275" r:id="rId19"/>
-    <p:sldId id="276" r:id="rId20"/>
-    <p:sldId id="277" r:id="rId21"/>
-    <p:sldId id="278" r:id="rId22"/>
-    <p:sldId id="279" r:id="rId23"/>
-    <p:sldId id="262" r:id="rId24"/>
+    <p:sldId id="257" r:id="rId4"/>
+    <p:sldId id="258" r:id="rId5"/>
+    <p:sldId id="261" r:id="rId6"/>
+    <p:sldId id="263" r:id="rId7"/>
+    <p:sldId id="259" r:id="rId8"/>
+    <p:sldId id="264" r:id="rId9"/>
+    <p:sldId id="265" r:id="rId10"/>
+    <p:sldId id="266" r:id="rId11"/>
+    <p:sldId id="267" r:id="rId12"/>
+    <p:sldId id="268" r:id="rId13"/>
+    <p:sldId id="269" r:id="rId14"/>
+    <p:sldId id="270" r:id="rId15"/>
+    <p:sldId id="271" r:id="rId16"/>
+    <p:sldId id="272" r:id="rId17"/>
+    <p:sldId id="273" r:id="rId18"/>
+    <p:sldId id="274" r:id="rId19"/>
+    <p:sldId id="275" r:id="rId20"/>
+    <p:sldId id="276" r:id="rId21"/>
+    <p:sldId id="277" r:id="rId22"/>
+    <p:sldId id="278" r:id="rId23"/>
+    <p:sldId id="279" r:id="rId24"/>
+    <p:sldId id="262" r:id="rId25"/>
   </p:sldIdLst>
   <p:sldSz cx="12192000" cy="6858000"/>
   <p:notesSz cx="6858000" cy="9144000"/>
@@ -138,46 +139,23 @@
 <pc:chgInfo xmlns:a="http://schemas.openxmlformats.org/drawingml/2006/main" xmlns:r="http://schemas.openxmlformats.org/officeDocument/2006/relationships" xmlns:ac="http://schemas.microsoft.com/office/drawing/2013/main/command" xmlns:pc="http://schemas.microsoft.com/office/powerpoint/2013/main/command">
   <pc:docChgLst>
     <pc:chgData name="Gautam Wadhwani" userId="d4c071a7045c43de" providerId="LiveId" clId="{C82E58D0-7BB2-400F-A7A6-F582E55B03F3}"/>
-    <pc:docChg chg="undo custSel addSld delSld modSld">
-      <pc:chgData name="Gautam Wadhwani" userId="d4c071a7045c43de" providerId="LiveId" clId="{C82E58D0-7BB2-400F-A7A6-F582E55B03F3}" dt="2020-10-07T16:00:29.965" v="7834" actId="20577"/>
+    <pc:docChg chg="undo custSel addSld modSld">
+      <pc:chgData name="Gautam Wadhwani" userId="d4c071a7045c43de" providerId="LiveId" clId="{C82E58D0-7BB2-400F-A7A6-F582E55B03F3}" dt="2020-10-06T11:45:53.389" v="7700" actId="20577"/>
       <pc:docMkLst>
         <pc:docMk/>
       </pc:docMkLst>
       <pc:sldChg chg="modSp mod">
-        <pc:chgData name="Gautam Wadhwani" userId="d4c071a7045c43de" providerId="LiveId" clId="{C82E58D0-7BB2-400F-A7A6-F582E55B03F3}" dt="2020-10-07T16:00:29.965" v="7834" actId="20577"/>
+        <pc:chgData name="Gautam Wadhwani" userId="d4c071a7045c43de" providerId="LiveId" clId="{C82E58D0-7BB2-400F-A7A6-F582E55B03F3}" dt="2020-10-01T15:07:28.411" v="2904" actId="20577"/>
         <pc:sldMkLst>
           <pc:docMk/>
           <pc:sldMk cId="620865477" sldId="256"/>
         </pc:sldMkLst>
         <pc:spChg chg="mod">
-          <ac:chgData name="Gautam Wadhwani" userId="d4c071a7045c43de" providerId="LiveId" clId="{C82E58D0-7BB2-400F-A7A6-F582E55B03F3}" dt="2020-10-07T16:00:05.349" v="7800"/>
+          <ac:chgData name="Gautam Wadhwani" userId="d4c071a7045c43de" providerId="LiveId" clId="{C82E58D0-7BB2-400F-A7A6-F582E55B03F3}" dt="2020-10-01T15:07:28.411" v="2904" actId="20577"/>
           <ac:spMkLst>
             <pc:docMk/>
             <pc:sldMk cId="620865477" sldId="256"/>
             <ac:spMk id="2" creationId="{8758913D-2571-42AC-891B-66EC497AEB74}"/>
-          </ac:spMkLst>
-        </pc:spChg>
-        <pc:spChg chg="mod">
-          <ac:chgData name="Gautam Wadhwani" userId="d4c071a7045c43de" providerId="LiveId" clId="{C82E58D0-7BB2-400F-A7A6-F582E55B03F3}" dt="2020-10-07T16:00:29.965" v="7834" actId="20577"/>
-          <ac:spMkLst>
-            <pc:docMk/>
-            <pc:sldMk cId="620865477" sldId="256"/>
-            <ac:spMk id="3" creationId="{D78929D8-E1E1-400F-8E78-6D7E9D798FB3}"/>
-          </ac:spMkLst>
-        </pc:spChg>
-      </pc:sldChg>
-      <pc:sldChg chg="modSp del mod">
-        <pc:chgData name="Gautam Wadhwani" userId="d4c071a7045c43de" providerId="LiveId" clId="{C82E58D0-7BB2-400F-A7A6-F582E55B03F3}" dt="2020-10-07T15:59:45.165" v="7794" actId="47"/>
-        <pc:sldMkLst>
-          <pc:docMk/>
-          <pc:sldMk cId="1126094981" sldId="257"/>
-        </pc:sldMkLst>
-        <pc:spChg chg="mod">
-          <ac:chgData name="Gautam Wadhwani" userId="d4c071a7045c43de" providerId="LiveId" clId="{C82E58D0-7BB2-400F-A7A6-F582E55B03F3}" dt="2020-10-07T15:59:40.994" v="7793" actId="21"/>
-          <ac:spMkLst>
-            <pc:docMk/>
-            <pc:sldMk cId="1126094981" sldId="257"/>
-            <ac:spMk id="3" creationId="{D0B2F386-A24E-4FCC-9C9D-4AB151029FFF}"/>
           </ac:spMkLst>
         </pc:spChg>
       </pc:sldChg>
@@ -738,7 +716,7 @@
           <a:p>
             <a:fld id="{3DE3FFF4-53AF-47FC-91C4-ADC1087D2A0B}" type="datetimeFigureOut">
               <a:rPr lang="en-IN" smtClean="0"/>
-              <a:t>07-10-2020</a:t>
+              <a:t>02-11-2020</a:t>
             </a:fld>
             <a:endParaRPr lang="en-IN"/>
           </a:p>
@@ -938,7 +916,7 @@
           <a:p>
             <a:fld id="{3DE3FFF4-53AF-47FC-91C4-ADC1087D2A0B}" type="datetimeFigureOut">
               <a:rPr lang="en-IN" smtClean="0"/>
-              <a:t>07-10-2020</a:t>
+              <a:t>02-11-2020</a:t>
             </a:fld>
             <a:endParaRPr lang="en-IN"/>
           </a:p>
@@ -1148,7 +1126,7 @@
           <a:p>
             <a:fld id="{3DE3FFF4-53AF-47FC-91C4-ADC1087D2A0B}" type="datetimeFigureOut">
               <a:rPr lang="en-IN" smtClean="0"/>
-              <a:t>07-10-2020</a:t>
+              <a:t>02-11-2020</a:t>
             </a:fld>
             <a:endParaRPr lang="en-IN"/>
           </a:p>
@@ -1348,7 +1326,7 @@
           <a:p>
             <a:fld id="{3DE3FFF4-53AF-47FC-91C4-ADC1087D2A0B}" type="datetimeFigureOut">
               <a:rPr lang="en-IN" smtClean="0"/>
-              <a:t>07-10-2020</a:t>
+              <a:t>02-11-2020</a:t>
             </a:fld>
             <a:endParaRPr lang="en-IN"/>
           </a:p>
@@ -1624,7 +1602,7 @@
           <a:p>
             <a:fld id="{3DE3FFF4-53AF-47FC-91C4-ADC1087D2A0B}" type="datetimeFigureOut">
               <a:rPr lang="en-IN" smtClean="0"/>
-              <a:t>07-10-2020</a:t>
+              <a:t>02-11-2020</a:t>
             </a:fld>
             <a:endParaRPr lang="en-IN"/>
           </a:p>
@@ -1892,7 +1870,7 @@
           <a:p>
             <a:fld id="{3DE3FFF4-53AF-47FC-91C4-ADC1087D2A0B}" type="datetimeFigureOut">
               <a:rPr lang="en-IN" smtClean="0"/>
-              <a:t>07-10-2020</a:t>
+              <a:t>02-11-2020</a:t>
             </a:fld>
             <a:endParaRPr lang="en-IN"/>
           </a:p>
@@ -2307,7 +2285,7 @@
           <a:p>
             <a:fld id="{3DE3FFF4-53AF-47FC-91C4-ADC1087D2A0B}" type="datetimeFigureOut">
               <a:rPr lang="en-IN" smtClean="0"/>
-              <a:t>07-10-2020</a:t>
+              <a:t>02-11-2020</a:t>
             </a:fld>
             <a:endParaRPr lang="en-IN"/>
           </a:p>
@@ -2449,7 +2427,7 @@
           <a:p>
             <a:fld id="{3DE3FFF4-53AF-47FC-91C4-ADC1087D2A0B}" type="datetimeFigureOut">
               <a:rPr lang="en-IN" smtClean="0"/>
-              <a:t>07-10-2020</a:t>
+              <a:t>02-11-2020</a:t>
             </a:fld>
             <a:endParaRPr lang="en-IN"/>
           </a:p>
@@ -2562,7 +2540,7 @@
           <a:p>
             <a:fld id="{3DE3FFF4-53AF-47FC-91C4-ADC1087D2A0B}" type="datetimeFigureOut">
               <a:rPr lang="en-IN" smtClean="0"/>
-              <a:t>07-10-2020</a:t>
+              <a:t>02-11-2020</a:t>
             </a:fld>
             <a:endParaRPr lang="en-IN"/>
           </a:p>
@@ -2875,7 +2853,7 @@
           <a:p>
             <a:fld id="{3DE3FFF4-53AF-47FC-91C4-ADC1087D2A0B}" type="datetimeFigureOut">
               <a:rPr lang="en-IN" smtClean="0"/>
-              <a:t>07-10-2020</a:t>
+              <a:t>02-11-2020</a:t>
             </a:fld>
             <a:endParaRPr lang="en-IN"/>
           </a:p>
@@ -3164,7 +3142,7 @@
           <a:p>
             <a:fld id="{3DE3FFF4-53AF-47FC-91C4-ADC1087D2A0B}" type="datetimeFigureOut">
               <a:rPr lang="en-IN" smtClean="0"/>
-              <a:t>07-10-2020</a:t>
+              <a:t>02-11-2020</a:t>
             </a:fld>
             <a:endParaRPr lang="en-IN"/>
           </a:p>
@@ -3407,7 +3385,7 @@
           <a:p>
             <a:fld id="{3DE3FFF4-53AF-47FC-91C4-ADC1087D2A0B}" type="datetimeFigureOut">
               <a:rPr lang="en-IN" smtClean="0"/>
-              <a:t>07-10-2020</a:t>
+              <a:t>02-11-2020</a:t>
             </a:fld>
             <a:endParaRPr lang="en-IN"/>
           </a:p>
@@ -3942,7 +3920,7 @@
           <a:p>
             <a:r>
               <a:rPr lang="en-IN" dirty="0"/>
-              <a:t>                    Improvement in the answer</a:t>
+              <a:t>                    Greedy Method</a:t>
             </a:r>
           </a:p>
         </p:txBody>
@@ -3984,30 +3962,42 @@
           </a:bodyPr>
           <a:lstStyle/>
           <a:p>
-            <a:endParaRPr lang="en-IN" dirty="0"/>
-          </a:p>
-          <a:p>
-            <a:r>
-              <a:rPr lang="en-IN" dirty="0"/>
-              <a:t>There are 3 methods to improve the answer obtained by the greedy method</a:t>
-            </a:r>
-          </a:p>
-          <a:p>
-            <a:r>
-              <a:rPr lang="en-IN" dirty="0"/>
-              <a:t>First is to pick up the last point of the route and put as the second point of the route and check whether the distance is reduced. </a:t>
-            </a:r>
-          </a:p>
-          <a:p>
-            <a:r>
-              <a:rPr lang="en-IN" dirty="0"/>
-              <a:t>Continue the same process until there is no more improvement or a counter variable reaches a big enough number say 40,000/n.</a:t>
-            </a:r>
-          </a:p>
-          <a:p>
-            <a:r>
-              <a:rPr lang="en-IN" dirty="0"/>
-              <a:t>This will require O(n) time.</a:t>
+            <a:r>
+              <a:rPr lang="en-IN" dirty="0"/>
+              <a:t>First make a copy of the input list of coordinates.</a:t>
+            </a:r>
+          </a:p>
+          <a:p>
+            <a:r>
+              <a:rPr lang="en-IN" dirty="0"/>
+              <a:t>Go to the nearest point from the start point and find the distance.</a:t>
+            </a:r>
+          </a:p>
+          <a:p>
+            <a:r>
+              <a:rPr lang="en-IN" dirty="0"/>
+              <a:t>Now new start point is that nearest point and delete it from the copy</a:t>
+            </a:r>
+          </a:p>
+          <a:p>
+            <a:pPr marL="0" indent="0">
+              <a:buNone/>
+            </a:pPr>
+            <a:r>
+              <a:rPr lang="en-IN" dirty="0"/>
+              <a:t> of the list.</a:t>
+            </a:r>
+          </a:p>
+          <a:p>
+            <a:r>
+              <a:rPr lang="en-IN" dirty="0"/>
+              <a:t>Now go to the next nearest point and continue until the copy list becomes empty.</a:t>
+            </a:r>
+          </a:p>
+          <a:p>
+            <a:r>
+              <a:rPr lang="en-IN" dirty="0"/>
+              <a:t>The time complexity of this method is O(n^2) but it will not always lead you to the shortest path.</a:t>
             </a:r>
           </a:p>
         </p:txBody>
@@ -4015,7 +4005,7 @@
     </p:spTree>
     <p:extLst>
       <p:ext uri="{BB962C8B-B14F-4D97-AF65-F5344CB8AC3E}">
-        <p14:creationId xmlns:p14="http://schemas.microsoft.com/office/powerpoint/2010/main" val="3017810806"/>
+        <p14:creationId xmlns:p14="http://schemas.microsoft.com/office/powerpoint/2010/main" val="1292591117"/>
       </p:ext>
     </p:extLst>
   </p:cSld>
@@ -4128,19 +4118,25 @@
           <a:p>
             <a:r>
               <a:rPr lang="en-IN" dirty="0"/>
-              <a:t>In the second method, we take a counter variable initialized to 0 then pick up any random point (except the second point and the last point) and place it at the second position and check whether this change caused an improvement in the total distance to be travelled to cover all the points.</a:t>
-            </a:r>
-          </a:p>
-          <a:p>
-            <a:r>
-              <a:rPr lang="en-IN" dirty="0"/>
-              <a:t>If there is an improvement, we continue until there is no more improvement or the counter variable reaches a value say 40,000/n^2.</a:t>
-            </a:r>
-          </a:p>
-          <a:p>
-            <a:r>
-              <a:rPr lang="en-IN" dirty="0"/>
-              <a:t>Time required is O(n^2).</a:t>
+              <a:t>There are 3 methods to improve the answer obtained by the greedy method</a:t>
+            </a:r>
+          </a:p>
+          <a:p>
+            <a:r>
+              <a:rPr lang="en-IN" dirty="0"/>
+              <a:t>First is to pick up the last point of the route and put as the second point of the route and check whether the distance is reduced. </a:t>
+            </a:r>
+          </a:p>
+          <a:p>
+            <a:r>
+              <a:rPr lang="en-IN" dirty="0"/>
+              <a:t>Continue the same process until there is no more improvement or a counter variable reaches a big enough number say 40,000/n.</a:t>
+            </a:r>
+          </a:p>
+          <a:p>
+            <a:r>
+              <a:rPr lang="en-IN" dirty="0"/>
+              <a:t>This will require O(n) time.</a:t>
             </a:r>
           </a:p>
         </p:txBody>
@@ -4148,7 +4144,7 @@
     </p:spTree>
     <p:extLst>
       <p:ext uri="{BB962C8B-B14F-4D97-AF65-F5344CB8AC3E}">
-        <p14:creationId xmlns:p14="http://schemas.microsoft.com/office/powerpoint/2010/main" val="3225319267"/>
+        <p14:creationId xmlns:p14="http://schemas.microsoft.com/office/powerpoint/2010/main" val="3017810806"/>
       </p:ext>
     </p:extLst>
   </p:cSld>
@@ -4252,7 +4248,7 @@
         </p:style>
         <p:txBody>
           <a:bodyPr>
-            <a:normAutofit lnSpcReduction="10000"/>
+            <a:normAutofit/>
           </a:bodyPr>
           <a:lstStyle/>
           <a:p>
@@ -4261,25 +4257,19 @@
           <a:p>
             <a:r>
               <a:rPr lang="en-IN" dirty="0"/>
-              <a:t>In the third method, we take a counter variable initialized to 0 then pick up any two random points and swap them in the list and check whether this change caused an improvement in the total distance to be travelled to cover all the points.</a:t>
-            </a:r>
-          </a:p>
-          <a:p>
-            <a:r>
-              <a:rPr lang="en-IN" dirty="0"/>
-              <a:t>If there is an improvement, we continue until there is no more improvement or the counter variable reaches a value say 40,000/n^3.</a:t>
-            </a:r>
-          </a:p>
-          <a:p>
-            <a:r>
-              <a:rPr lang="en-IN" dirty="0"/>
-              <a:t>Time complexity is O(n^3).</a:t>
-            </a:r>
-          </a:p>
-          <a:p>
-            <a:r>
-              <a:rPr lang="en-IN" dirty="0"/>
-              <a:t>These three optimizations can cause much improvement in the accuracy of the answer.</a:t>
+              <a:t>In the second method, we take a counter variable initialized to 0 then pick up any random point (except the second point and the last point) and place it at the second position and check whether this change caused an improvement in the total distance to be travelled to cover all the points.</a:t>
+            </a:r>
+          </a:p>
+          <a:p>
+            <a:r>
+              <a:rPr lang="en-IN" dirty="0"/>
+              <a:t>If there is an improvement, we continue until there is no more improvement or the counter variable reaches a value say 40,000/n^2.</a:t>
+            </a:r>
+          </a:p>
+          <a:p>
+            <a:r>
+              <a:rPr lang="en-IN" dirty="0"/>
+              <a:t>Time required is O(n^2).</a:t>
             </a:r>
           </a:p>
         </p:txBody>
@@ -4287,7 +4277,7 @@
     </p:spTree>
     <p:extLst>
       <p:ext uri="{BB962C8B-B14F-4D97-AF65-F5344CB8AC3E}">
-        <p14:creationId xmlns:p14="http://schemas.microsoft.com/office/powerpoint/2010/main" val="527700572"/>
+        <p14:creationId xmlns:p14="http://schemas.microsoft.com/office/powerpoint/2010/main" val="3225319267"/>
       </p:ext>
     </p:extLst>
   </p:cSld>
@@ -4353,7 +4343,7 @@
           <a:p>
             <a:r>
               <a:rPr lang="en-IN" dirty="0"/>
-              <a:t>                    Another approximate method</a:t>
+              <a:t>                    Improvement in the answer</a:t>
             </a:r>
           </a:p>
         </p:txBody>
@@ -4374,12 +4364,7 @@
             <p:ph idx="1"/>
           </p:nvPr>
         </p:nvSpPr>
-        <p:spPr>
-          <a:xfrm>
-            <a:off x="838200" y="1825624"/>
-            <a:ext cx="10515600" cy="4853471"/>
-          </a:xfrm>
-        </p:spPr>
+        <p:spPr/>
         <p:style>
           <a:lnRef idx="1">
             <a:schemeClr val="accent1"/>
@@ -4396,57 +4381,34 @@
         </p:style>
         <p:txBody>
           <a:bodyPr>
-            <a:normAutofit fontScale="92500" lnSpcReduction="10000"/>
+            <a:normAutofit lnSpcReduction="10000"/>
           </a:bodyPr>
           <a:lstStyle/>
           <a:p>
-            <a:r>
-              <a:rPr lang="en-IN" dirty="0"/>
-              <a:t>Sort the coordinates on the basis of polar coordinate on shifting the origin to the start point.</a:t>
-            </a:r>
-          </a:p>
-          <a:p>
-            <a:r>
-              <a:rPr lang="en-IN" dirty="0"/>
-              <a:t>Point with smaller angle put first.</a:t>
-            </a:r>
-          </a:p>
-          <a:p>
-            <a:r>
-              <a:rPr lang="en-IN" dirty="0"/>
-              <a:t>If angle is same then the point nearer to the previous point in the sorted list put first.</a:t>
-            </a:r>
-          </a:p>
-          <a:p>
-            <a:r>
-              <a:rPr lang="en-IN" dirty="0"/>
-              <a:t>Use </a:t>
-            </a:r>
-            <a:r>
-              <a:rPr lang="en-IN" dirty="0" err="1"/>
-              <a:t>mergesort</a:t>
-            </a:r>
-            <a:r>
-              <a:rPr lang="en-IN" dirty="0"/>
-              <a:t> algorithm with O(n log(n)) time complexity.</a:t>
-            </a:r>
-          </a:p>
-          <a:p>
-            <a:r>
-              <a:rPr lang="en-IN" dirty="0"/>
-              <a:t>Check whether the list when taken in reverse has more or lesser total distance keeping the start point at index 0 only and select the one with lesser total distance.</a:t>
-            </a:r>
-          </a:p>
-          <a:p>
-            <a:r>
-              <a:rPr lang="en-IN" dirty="0"/>
-              <a:t>The answer can be improved using the same methods discussed above.</a:t>
-            </a:r>
-          </a:p>
-          <a:p>
-            <a:r>
-              <a:rPr lang="en-IN" dirty="0"/>
-              <a:t>Select the better answer among improved answer of greedy algorithm and improved answer of this approximate method.</a:t>
+            <a:endParaRPr lang="en-IN" dirty="0"/>
+          </a:p>
+          <a:p>
+            <a:r>
+              <a:rPr lang="en-IN" dirty="0"/>
+              <a:t>In the third method, we take a counter variable initialized to 0 then pick up any two random points and swap them in the list and check whether this change caused an improvement in the total distance to be travelled to cover all the points.</a:t>
+            </a:r>
+          </a:p>
+          <a:p>
+            <a:r>
+              <a:rPr lang="en-IN" dirty="0"/>
+              <a:t>If there is an improvement, we continue until there is no more improvement or the counter variable reaches a value say 40,000/n^3.</a:t>
+            </a:r>
+          </a:p>
+          <a:p>
+            <a:r>
+              <a:rPr lang="en-IN" dirty="0"/>
+              <a:t>Time complexity is O(n^3).</a:t>
+            </a:r>
+          </a:p>
+          <a:p>
+            <a:r>
+              <a:rPr lang="en-IN" dirty="0"/>
+              <a:t>These three optimizations can cause much improvement in the accuracy of the answer.</a:t>
             </a:r>
           </a:p>
         </p:txBody>
@@ -4454,7 +4416,7 @@
     </p:spTree>
     <p:extLst>
       <p:ext uri="{BB962C8B-B14F-4D97-AF65-F5344CB8AC3E}">
-        <p14:creationId xmlns:p14="http://schemas.microsoft.com/office/powerpoint/2010/main" val="3615117842"/>
+        <p14:creationId xmlns:p14="http://schemas.microsoft.com/office/powerpoint/2010/main" val="527700572"/>
       </p:ext>
     </p:extLst>
   </p:cSld>
@@ -4520,7 +4482,7 @@
           <a:p>
             <a:r>
               <a:rPr lang="en-IN" dirty="0"/>
-              <a:t>                    Using Graph DS to solve</a:t>
+              <a:t>                    Another approximate method</a:t>
             </a:r>
           </a:p>
         </p:txBody>
@@ -4563,43 +4525,57 @@
         </p:style>
         <p:txBody>
           <a:bodyPr>
-            <a:normAutofit/>
+            <a:normAutofit fontScale="92500" lnSpcReduction="10000"/>
           </a:bodyPr>
           <a:lstStyle/>
           <a:p>
             <a:r>
               <a:rPr lang="en-IN" dirty="0"/>
-              <a:t>The above methods work only when the distance from one point (say A) to another (say B) is same as the distance from B to A.</a:t>
-            </a:r>
-          </a:p>
-          <a:p>
-            <a:r>
-              <a:rPr lang="en-IN" dirty="0"/>
-              <a:t>But sometimes the distance from B to A can be different if there is a one way.</a:t>
-            </a:r>
-          </a:p>
-          <a:p>
-            <a:r>
-              <a:rPr lang="en-IN" dirty="0"/>
-              <a:t>And sometimes the distance is not just the straight line distance.</a:t>
-            </a:r>
-          </a:p>
-          <a:p>
-            <a:r>
-              <a:rPr lang="en-IN" dirty="0"/>
-              <a:t>So we can use a graph data structure to input the distance between all pairs of points in the form of an adjacency matrix.</a:t>
-            </a:r>
-          </a:p>
-          <a:p>
-            <a:r>
-              <a:rPr lang="en-IN" dirty="0"/>
-              <a:t>For simplicity we name the edges as 0,1,2,3…</a:t>
-            </a:r>
-          </a:p>
-          <a:p>
-            <a:r>
-              <a:rPr lang="en-IN" dirty="0"/>
-              <a:t>So we input only the adjacency matrix.</a:t>
+              <a:t>Sort the coordinates on the basis of polar coordinate on shifting the origin to the start point.</a:t>
+            </a:r>
+          </a:p>
+          <a:p>
+            <a:r>
+              <a:rPr lang="en-IN" dirty="0"/>
+              <a:t>Point with smaller angle put first.</a:t>
+            </a:r>
+          </a:p>
+          <a:p>
+            <a:r>
+              <a:rPr lang="en-IN" dirty="0"/>
+              <a:t>If angle is same then the point nearer to the previous point in the sorted list put first.</a:t>
+            </a:r>
+          </a:p>
+          <a:p>
+            <a:r>
+              <a:rPr lang="en-IN" dirty="0"/>
+              <a:t>Use </a:t>
+            </a:r>
+            <a:r>
+              <a:rPr lang="en-IN" dirty="0" err="1"/>
+              <a:t>mergesort</a:t>
+            </a:r>
+            <a:r>
+              <a:rPr lang="en-IN" dirty="0"/>
+              <a:t> algorithm with O(n log(n)) time complexity.</a:t>
+            </a:r>
+          </a:p>
+          <a:p>
+            <a:r>
+              <a:rPr lang="en-IN" dirty="0"/>
+              <a:t>Check whether the list when taken in reverse has more or lesser total distance keeping the start point at index 0 only and select the one with lesser total distance.</a:t>
+            </a:r>
+          </a:p>
+          <a:p>
+            <a:r>
+              <a:rPr lang="en-IN" dirty="0"/>
+              <a:t>The answer can be improved using the same methods discussed above.</a:t>
+            </a:r>
+          </a:p>
+          <a:p>
+            <a:r>
+              <a:rPr lang="en-IN" dirty="0"/>
+              <a:t>Select the better answer among improved answer of greedy algorithm and improved answer of this approximate method.</a:t>
             </a:r>
           </a:p>
         </p:txBody>
@@ -4607,7 +4583,7 @@
     </p:spTree>
     <p:extLst>
       <p:ext uri="{BB962C8B-B14F-4D97-AF65-F5344CB8AC3E}">
-        <p14:creationId xmlns:p14="http://schemas.microsoft.com/office/powerpoint/2010/main" val="4256439643"/>
+        <p14:creationId xmlns:p14="http://schemas.microsoft.com/office/powerpoint/2010/main" val="3615117842"/>
       </p:ext>
     </p:extLst>
   </p:cSld>
@@ -4673,7 +4649,7 @@
           <a:p>
             <a:r>
               <a:rPr lang="en-IN" dirty="0"/>
-              <a:t>                    Brute Force on Graph</a:t>
+              <a:t>                    Using Graph DS to solve</a:t>
             </a:r>
           </a:p>
         </p:txBody>
@@ -4716,103 +4692,43 @@
         </p:style>
         <p:txBody>
           <a:bodyPr>
-            <a:normAutofit lnSpcReduction="10000"/>
+            <a:normAutofit/>
           </a:bodyPr>
           <a:lstStyle/>
           <a:p>
             <a:r>
               <a:rPr lang="en-IN" dirty="0"/>
-              <a:t>Generate all possible permutations of the numbers 1,2,3… n-1</a:t>
-            </a:r>
-          </a:p>
-          <a:p>
-            <a:pPr marL="0" indent="0">
-              <a:buNone/>
-            </a:pPr>
-            <a:r>
-              <a:rPr lang="en-IN" dirty="0"/>
-              <a:t>   in a list per.</a:t>
-            </a:r>
-          </a:p>
-          <a:p>
-            <a:pPr marL="0" indent="0">
-              <a:buNone/>
-            </a:pPr>
-            <a:r>
-              <a:rPr lang="en-IN" dirty="0"/>
-              <a:t>   0 represents the start point.</a:t>
-            </a:r>
-          </a:p>
-          <a:p>
-            <a:r>
-              <a:rPr lang="en-IN" dirty="0"/>
-              <a:t>Traverse through per</a:t>
-            </a:r>
-          </a:p>
-          <a:p>
-            <a:r>
-              <a:rPr lang="en-IN" dirty="0"/>
-              <a:t>The length of each permutation is n-1. Initialize distance to be graph[0][per[</a:t>
-            </a:r>
-            <a:r>
-              <a:rPr lang="en-IN" dirty="0" err="1"/>
-              <a:t>i</a:t>
-            </a:r>
-            <a:r>
-              <a:rPr lang="en-IN" dirty="0"/>
-              <a:t>][0]] (distance of start point to first point in </a:t>
-            </a:r>
-            <a:r>
-              <a:rPr lang="en-IN" dirty="0" err="1"/>
-              <a:t>i</a:t>
-            </a:r>
-            <a:r>
-              <a:rPr lang="en-IN" baseline="30000" dirty="0" err="1"/>
-              <a:t>th</a:t>
-            </a:r>
-            <a:r>
-              <a:rPr lang="en-IN" dirty="0"/>
-              <a:t> permutation). Now traverse through the </a:t>
-            </a:r>
-            <a:r>
-              <a:rPr lang="en-IN" dirty="0" err="1"/>
-              <a:t>i</a:t>
-            </a:r>
-            <a:r>
-              <a:rPr lang="en-IN" baseline="30000" dirty="0" err="1"/>
-              <a:t>th</a:t>
-            </a:r>
-            <a:r>
-              <a:rPr lang="en-IN" dirty="0"/>
-              <a:t> permutation and take j=1 to j=n-2. Add graph[per[</a:t>
-            </a:r>
-            <a:r>
-              <a:rPr lang="en-IN" dirty="0" err="1"/>
-              <a:t>i</a:t>
-            </a:r>
-            <a:r>
-              <a:rPr lang="en-IN" dirty="0"/>
-              <a:t>][j]][per[</a:t>
-            </a:r>
-            <a:r>
-              <a:rPr lang="en-IN" dirty="0" err="1"/>
-              <a:t>i</a:t>
-            </a:r>
-            <a:r>
-              <a:rPr lang="en-IN" dirty="0"/>
-              <a:t>][j+1]] to the distance.</a:t>
-            </a:r>
-          </a:p>
-          <a:p>
-            <a:r>
-              <a:rPr lang="en-IN" dirty="0"/>
-              <a:t>Find the total distances of all permutations and select the permutation with least distance as the optimal path.</a:t>
-            </a:r>
-          </a:p>
-          <a:p>
-            <a:r>
-              <a:rPr lang="en-IN" dirty="0"/>
-              <a:t>Time complexity is O(n!).</a:t>
+              <a:t>The above methods work only when the distance from one point (say A) to another (say B) is same as the distance from B to A.</a:t>
+            </a:r>
+          </a:p>
+          <a:p>
+            <a:r>
+              <a:rPr lang="en-IN" dirty="0"/>
+              <a:t>But sometimes the distance from B to A can be different if there is a one way.</a:t>
+            </a:r>
+          </a:p>
+          <a:p>
+            <a:r>
+              <a:rPr lang="en-IN" dirty="0"/>
+              <a:t>And sometimes the distance is not just the straight line distance.</a:t>
+            </a:r>
+          </a:p>
+          <a:p>
+            <a:r>
+              <a:rPr lang="en-IN" dirty="0"/>
+              <a:t>So we can use a graph data structure to input the distance between all pairs of points in the form of an adjacency matrix.</a:t>
+            </a:r>
+          </a:p>
+          <a:p>
+            <a:r>
+              <a:rPr lang="en-IN" dirty="0"/>
+              <a:t>For simplicity we name the edges as 0,1,2,3…</a:t>
+            </a:r>
+          </a:p>
+          <a:p>
+            <a:r>
+              <a:rPr lang="en-IN" dirty="0"/>
+              <a:t>So we input only the adjacency matrix.</a:t>
             </a:r>
           </a:p>
         </p:txBody>
@@ -4820,7 +4736,7 @@
     </p:spTree>
     <p:extLst>
       <p:ext uri="{BB962C8B-B14F-4D97-AF65-F5344CB8AC3E}">
-        <p14:creationId xmlns:p14="http://schemas.microsoft.com/office/powerpoint/2010/main" val="3063243471"/>
+        <p14:creationId xmlns:p14="http://schemas.microsoft.com/office/powerpoint/2010/main" val="4256439643"/>
       </p:ext>
     </p:extLst>
   </p:cSld>
@@ -4886,7 +4802,7 @@
           <a:p>
             <a:r>
               <a:rPr lang="en-IN" dirty="0"/>
-              <a:t>                    Greedy Method on Graph</a:t>
+              <a:t>                    Brute Force on Graph</a:t>
             </a:r>
           </a:p>
         </p:txBody>
@@ -4935,37 +4851,97 @@
           <a:p>
             <a:r>
               <a:rPr lang="en-IN" dirty="0"/>
-              <a:t>Make a copy of the adjacency matrix.</a:t>
-            </a:r>
-          </a:p>
-          <a:p>
-            <a:r>
-              <a:rPr lang="en-IN" dirty="0"/>
-              <a:t>Go to the nearest point from the start point and store the distance.</a:t>
-            </a:r>
-          </a:p>
-          <a:p>
-            <a:r>
-              <a:rPr lang="en-IN" dirty="0"/>
-              <a:t>Go to the next nearest point, add the distance between these points and delete the start point (delete all edges that contain it) and mark that nearest point as the new start point.</a:t>
-            </a:r>
-          </a:p>
-          <a:p>
-            <a:r>
-              <a:rPr lang="en-IN" dirty="0"/>
-              <a:t>Continue the above process until the copy of the adjacency matrix is emptied.</a:t>
-            </a:r>
-          </a:p>
-          <a:p>
-            <a:r>
-              <a:rPr lang="en-IN" dirty="0"/>
-              <a:t>Deletion reduces the complexity by a factor of n since we no longer need to check whether the point has already been visited because we delete the point after visiting at each iteration.</a:t>
-            </a:r>
-          </a:p>
-          <a:p>
-            <a:r>
-              <a:rPr lang="en-IN" dirty="0"/>
-              <a:t>Time complexity is O(n^2).</a:t>
+              <a:t>Generate all possible permutations of the numbers 1,2,3… n-1</a:t>
+            </a:r>
+          </a:p>
+          <a:p>
+            <a:pPr marL="0" indent="0">
+              <a:buNone/>
+            </a:pPr>
+            <a:r>
+              <a:rPr lang="en-IN" dirty="0"/>
+              <a:t>   in a list per.</a:t>
+            </a:r>
+          </a:p>
+          <a:p>
+            <a:pPr marL="0" indent="0">
+              <a:buNone/>
+            </a:pPr>
+            <a:r>
+              <a:rPr lang="en-IN" dirty="0"/>
+              <a:t>   0 represents the start point.</a:t>
+            </a:r>
+          </a:p>
+          <a:p>
+            <a:r>
+              <a:rPr lang="en-IN" dirty="0"/>
+              <a:t>Traverse through per</a:t>
+            </a:r>
+          </a:p>
+          <a:p>
+            <a:r>
+              <a:rPr lang="en-IN" dirty="0"/>
+              <a:t>The length of each permutation is n-1. Initialize distance to be graph[0][per[</a:t>
+            </a:r>
+            <a:r>
+              <a:rPr lang="en-IN" dirty="0" err="1"/>
+              <a:t>i</a:t>
+            </a:r>
+            <a:r>
+              <a:rPr lang="en-IN" dirty="0"/>
+              <a:t>][0]] (distance of start point to first point in </a:t>
+            </a:r>
+            <a:r>
+              <a:rPr lang="en-IN" dirty="0" err="1"/>
+              <a:t>i</a:t>
+            </a:r>
+            <a:r>
+              <a:rPr lang="en-IN" baseline="30000" dirty="0" err="1"/>
+              <a:t>th</a:t>
+            </a:r>
+            <a:r>
+              <a:rPr lang="en-IN" dirty="0"/>
+              <a:t> permutation). Now traverse through the </a:t>
+            </a:r>
+            <a:r>
+              <a:rPr lang="en-IN" dirty="0" err="1"/>
+              <a:t>i</a:t>
+            </a:r>
+            <a:r>
+              <a:rPr lang="en-IN" baseline="30000" dirty="0" err="1"/>
+              <a:t>th</a:t>
+            </a:r>
+            <a:r>
+              <a:rPr lang="en-IN" dirty="0"/>
+              <a:t> permutation and take j=1 to j=n-2. Add graph[per[</a:t>
+            </a:r>
+            <a:r>
+              <a:rPr lang="en-IN" dirty="0" err="1"/>
+              <a:t>i</a:t>
+            </a:r>
+            <a:r>
+              <a:rPr lang="en-IN" dirty="0"/>
+              <a:t>][j]][per[</a:t>
+            </a:r>
+            <a:r>
+              <a:rPr lang="en-IN" dirty="0" err="1"/>
+              <a:t>i</a:t>
+            </a:r>
+            <a:r>
+              <a:rPr lang="en-IN" dirty="0"/>
+              <a:t>][j+1]] to the distance.</a:t>
+            </a:r>
+          </a:p>
+          <a:p>
+            <a:r>
+              <a:rPr lang="en-IN" dirty="0"/>
+              <a:t>Find the total distances of all permutations and select the permutation with least distance as the optimal path.</a:t>
+            </a:r>
+          </a:p>
+          <a:p>
+            <a:r>
+              <a:rPr lang="en-IN" dirty="0"/>
+              <a:t>Time complexity is O(n!).</a:t>
             </a:r>
           </a:p>
         </p:txBody>
@@ -4973,7 +4949,7 @@
     </p:spTree>
     <p:extLst>
       <p:ext uri="{BB962C8B-B14F-4D97-AF65-F5344CB8AC3E}">
-        <p14:creationId xmlns:p14="http://schemas.microsoft.com/office/powerpoint/2010/main" val="1466433882"/>
+        <p14:creationId xmlns:p14="http://schemas.microsoft.com/office/powerpoint/2010/main" val="3063243471"/>
       </p:ext>
     </p:extLst>
   </p:cSld>
@@ -5126,7 +5102,7 @@
     </p:spTree>
     <p:extLst>
       <p:ext uri="{BB962C8B-B14F-4D97-AF65-F5344CB8AC3E}">
-        <p14:creationId xmlns:p14="http://schemas.microsoft.com/office/powerpoint/2010/main" val="1309076910"/>
+        <p14:creationId xmlns:p14="http://schemas.microsoft.com/office/powerpoint/2010/main" val="1466433882"/>
       </p:ext>
     </p:extLst>
   </p:cSld>
@@ -5192,7 +5168,7 @@
           <a:p>
             <a:r>
               <a:rPr lang="en-IN" dirty="0"/>
-              <a:t>   Improvement of Greedy Method on Graph</a:t>
+              <a:t>                    Greedy Method on Graph</a:t>
             </a:r>
           </a:p>
         </p:txBody>
@@ -5235,31 +5211,43 @@
         </p:style>
         <p:txBody>
           <a:bodyPr>
-            <a:normAutofit/>
+            <a:normAutofit lnSpcReduction="10000"/>
           </a:bodyPr>
           <a:lstStyle/>
           <a:p>
             <a:r>
               <a:rPr lang="en-IN" dirty="0"/>
-              <a:t>Since the result of greedy method is not always optimal, we can use the three methods used on greedy algorithm with coordinates as input on the greedy algorithm with graph as well.</a:t>
-            </a:r>
-          </a:p>
-          <a:p>
-            <a:r>
-              <a:rPr lang="en-IN" dirty="0"/>
-              <a:t>First is to pick up the last vertex of the resultant path and put as the second vertex and check whether the distance is reduced. </a:t>
-            </a:r>
-          </a:p>
-          <a:p>
-            <a:r>
-              <a:rPr lang="en-IN" dirty="0"/>
-              <a:t>Continue the same process until there is no more improvement or a counter variable reaches a big enough number say 40,000/n.</a:t>
-            </a:r>
-          </a:p>
-          <a:p>
-            <a:r>
-              <a:rPr lang="en-IN" dirty="0"/>
-              <a:t>This will require O(n) time.</a:t>
+              <a:t>Make a copy of the adjacency matrix.</a:t>
+            </a:r>
+          </a:p>
+          <a:p>
+            <a:r>
+              <a:rPr lang="en-IN" dirty="0"/>
+              <a:t>Go to the nearest point from the start point and store the distance.</a:t>
+            </a:r>
+          </a:p>
+          <a:p>
+            <a:r>
+              <a:rPr lang="en-IN" dirty="0"/>
+              <a:t>Go to the next nearest point, add the distance between these points and delete the start point (delete all edges that contain it) and mark that nearest point as the new start point.</a:t>
+            </a:r>
+          </a:p>
+          <a:p>
+            <a:r>
+              <a:rPr lang="en-IN" dirty="0"/>
+              <a:t>Continue the above process until the copy of the adjacency matrix is emptied.</a:t>
+            </a:r>
+          </a:p>
+          <a:p>
+            <a:r>
+              <a:rPr lang="en-IN" dirty="0"/>
+              <a:t>Deletion reduces the complexity by a factor of n since we no longer need to check whether the point has already been visited because we delete the point after visiting at each iteration.</a:t>
+            </a:r>
+          </a:p>
+          <a:p>
+            <a:r>
+              <a:rPr lang="en-IN" dirty="0"/>
+              <a:t>Time complexity is O(n^2).</a:t>
             </a:r>
           </a:p>
         </p:txBody>
@@ -5267,7 +5255,7 @@
     </p:spTree>
     <p:extLst>
       <p:ext uri="{BB962C8B-B14F-4D97-AF65-F5344CB8AC3E}">
-        <p14:creationId xmlns:p14="http://schemas.microsoft.com/office/powerpoint/2010/main" val="3080719283"/>
+        <p14:creationId xmlns:p14="http://schemas.microsoft.com/office/powerpoint/2010/main" val="1309076910"/>
       </p:ext>
     </p:extLst>
   </p:cSld>
@@ -5382,19 +5370,25 @@
           <a:p>
             <a:r>
               <a:rPr lang="en-IN" dirty="0"/>
-              <a:t>In the second method, we take a counter variable initialized to 0 then pick up any random vertex (except the second and last vertices) and place it as the second vertex and check whether this change caused an improvement in the total distance to be travelled to cover all the points.</a:t>
-            </a:r>
-          </a:p>
-          <a:p>
-            <a:r>
-              <a:rPr lang="en-IN" dirty="0"/>
-              <a:t>If there is an improvement, we continue until there is no more improvement or the counter variable reaches a value say 40,000/n^2.</a:t>
-            </a:r>
-          </a:p>
-          <a:p>
-            <a:r>
-              <a:rPr lang="en-IN" dirty="0"/>
-              <a:t>Time required is O(n^2).</a:t>
+              <a:t>Since the result of greedy method is not always optimal, we can use the three methods used on greedy algorithm with coordinates as input on the greedy algorithm with graph as well.</a:t>
+            </a:r>
+          </a:p>
+          <a:p>
+            <a:r>
+              <a:rPr lang="en-IN" dirty="0"/>
+              <a:t>First is to pick up the last vertex of the resultant path and put as the second vertex and check whether the distance is reduced. </a:t>
+            </a:r>
+          </a:p>
+          <a:p>
+            <a:r>
+              <a:rPr lang="en-IN" dirty="0"/>
+              <a:t>Continue the same process until there is no more improvement or a counter variable reaches a big enough number say 40,000/n.</a:t>
+            </a:r>
+          </a:p>
+          <a:p>
+            <a:r>
+              <a:rPr lang="en-IN" dirty="0"/>
+              <a:t>This will require O(n) time.</a:t>
             </a:r>
           </a:p>
         </p:txBody>
@@ -5402,7 +5396,7 @@
     </p:spTree>
     <p:extLst>
       <p:ext uri="{BB962C8B-B14F-4D97-AF65-F5344CB8AC3E}">
-        <p14:creationId xmlns:p14="http://schemas.microsoft.com/office/powerpoint/2010/main" val="3454966010"/>
+        <p14:creationId xmlns:p14="http://schemas.microsoft.com/office/powerpoint/2010/main" val="3080719283"/>
       </p:ext>
     </p:extLst>
   </p:cSld>
@@ -5463,14 +5457,16 @@
           </a:fontRef>
         </p:style>
         <p:txBody>
-          <a:bodyPr>
-            <a:normAutofit fontScale="90000"/>
-          </a:bodyPr>
-          <a:lstStyle/>
-          <a:p>
-            <a:r>
-              <a:rPr lang="en-IN" dirty="0"/>
-              <a:t>Project Review 2 </a:t>
+          <a:bodyPr/>
+          <a:lstStyle/>
+          <a:p>
+            <a:r>
+              <a:rPr lang="en-IN" dirty="0"/>
+              <a:t>Project </a:t>
+            </a:r>
+            <a:r>
+              <a:rPr lang="en-IN"/>
+              <a:t>Review 2 </a:t>
             </a:r>
             <a:br>
               <a:rPr lang="en-IN" dirty="0"/>
@@ -5479,10 +5475,6 @@
               <a:rPr lang="en-IN" dirty="0"/>
               <a:t>CSE2003 DSA</a:t>
             </a:r>
-            <a:br>
-              <a:rPr lang="en-IN" dirty="0"/>
-            </a:br>
-            <a:endParaRPr lang="en-IN" dirty="0"/>
           </a:p>
         </p:txBody>
       </p:sp>
@@ -5502,12 +5494,7 @@
             <p:ph type="subTitle" idx="1"/>
           </p:nvPr>
         </p:nvSpPr>
-        <p:spPr>
-          <a:xfrm>
-            <a:off x="1524000" y="3602037"/>
-            <a:ext cx="9144000" cy="2279569"/>
-          </a:xfrm>
-        </p:spPr>
+        <p:spPr/>
         <p:style>
           <a:lnRef idx="1">
             <a:schemeClr val="accent1"/>
@@ -5540,23 +5527,6 @@
               <a:rPr lang="en-IN" dirty="0"/>
               <a:t>“Delivery Management System”</a:t>
             </a:r>
-          </a:p>
-          <a:p>
-            <a:r>
-              <a:rPr lang="en-IN" dirty="0"/>
-              <a:t>Vellore Institute of Technology Chennai</a:t>
-            </a:r>
-          </a:p>
-          <a:p>
-            <a:r>
-              <a:rPr lang="en-IN" dirty="0"/>
-              <a:t>Gautam </a:t>
-            </a:r>
-            <a:r>
-              <a:rPr lang="en-IN"/>
-              <a:t>Sanjay Wadhwani 19BCE1209</a:t>
-            </a:r>
-            <a:endParaRPr lang="en-IN" dirty="0"/>
           </a:p>
           <a:p>
             <a:endParaRPr lang="en-IN" dirty="0"/>
@@ -5675,37 +5645,25 @@
         </p:style>
         <p:txBody>
           <a:bodyPr>
-            <a:normAutofit fontScale="92500" lnSpcReduction="10000"/>
+            <a:normAutofit/>
           </a:bodyPr>
           <a:lstStyle/>
           <a:p>
             <a:r>
               <a:rPr lang="en-IN" dirty="0"/>
-              <a:t>In the third method, we take a counter variable initialized to 0 then pick up any two random vertices and swap them in the list and check whether this change caused an improvement in the total distance to be travelled to cover all the points.</a:t>
-            </a:r>
-          </a:p>
-          <a:p>
-            <a:r>
-              <a:rPr lang="en-IN" dirty="0"/>
-              <a:t>If there is an improvement, we continue until there is no more improvement or the counter variable reaches a value say 40,000/n^3.</a:t>
-            </a:r>
-          </a:p>
-          <a:p>
-            <a:r>
-              <a:rPr lang="en-IN" dirty="0"/>
-              <a:t>Time complexity is O(n^3).</a:t>
-            </a:r>
-          </a:p>
-          <a:p>
-            <a:r>
-              <a:rPr lang="en-IN" dirty="0"/>
-              <a:t>These three optimizations can cause much improvement in the accuracy of the answer.</a:t>
-            </a:r>
-          </a:p>
-          <a:p>
-            <a:r>
-              <a:rPr lang="en-IN" dirty="0"/>
-              <a:t>Since we don’t know the exact coordinates of the vertices in a graph DS, we cannot use the method that sorts on the basis of polar coordinates. This can be done if both graph and coordinates are taken as input.</a:t>
+              <a:t>In the second method, we take a counter variable initialized to 0 then pick up any random vertex (except the second and last vertices) and place it as the second vertex and check whether this change caused an improvement in the total distance to be travelled to cover all the points.</a:t>
+            </a:r>
+          </a:p>
+          <a:p>
+            <a:r>
+              <a:rPr lang="en-IN" dirty="0"/>
+              <a:t>If there is an improvement, we continue until there is no more improvement or the counter variable reaches a value say 40,000/n^2.</a:t>
+            </a:r>
+          </a:p>
+          <a:p>
+            <a:r>
+              <a:rPr lang="en-IN" dirty="0"/>
+              <a:t>Time required is O(n^2).</a:t>
             </a:r>
           </a:p>
         </p:txBody>
@@ -5713,7 +5671,7 @@
     </p:spTree>
     <p:extLst>
       <p:ext uri="{BB962C8B-B14F-4D97-AF65-F5344CB8AC3E}">
-        <p14:creationId xmlns:p14="http://schemas.microsoft.com/office/powerpoint/2010/main" val="3319889391"/>
+        <p14:creationId xmlns:p14="http://schemas.microsoft.com/office/powerpoint/2010/main" val="3454966010"/>
       </p:ext>
     </p:extLst>
   </p:cSld>
@@ -5779,7 +5737,7 @@
           <a:p>
             <a:r>
               <a:rPr lang="en-IN" dirty="0"/>
-              <a:t>                       Multiple Delivery Boys</a:t>
+              <a:t>   Improvement of Greedy Method on Graph</a:t>
             </a:r>
           </a:p>
         </p:txBody>
@@ -5822,45 +5780,37 @@
         </p:style>
         <p:txBody>
           <a:bodyPr>
-            <a:normAutofit/>
+            <a:normAutofit fontScale="92500" lnSpcReduction="10000"/>
           </a:bodyPr>
           <a:lstStyle/>
           <a:p>
             <a:r>
               <a:rPr lang="en-IN" dirty="0"/>
-              <a:t>The above methods calculate the shortest path for a single delivery boy doing all deliveries.</a:t>
-            </a:r>
-          </a:p>
-          <a:p>
-            <a:r>
-              <a:rPr lang="en-IN" dirty="0"/>
-              <a:t>Since there can be more than one delivery boy, we have to divide the delivery points among them such that the deliveries are done fast.</a:t>
-            </a:r>
-          </a:p>
-          <a:p>
-            <a:r>
-              <a:rPr lang="en-IN" dirty="0"/>
-              <a:t>So, we sort the coordinates again on the basis of polar coordinates using </a:t>
-            </a:r>
-            <a:r>
-              <a:rPr lang="en-IN" dirty="0" err="1"/>
-              <a:t>mergesort</a:t>
-            </a:r>
-            <a:r>
-              <a:rPr lang="en-IN" dirty="0"/>
-              <a:t> as stated earlier.</a:t>
-            </a:r>
-          </a:p>
-          <a:p>
-            <a:r>
-              <a:rPr lang="en-IN" dirty="0"/>
-              <a:t>If the angle of two or more adjacent points in the resultant list is/are equal, they are on the same line and they should be done by the same person to save time and fuel.</a:t>
-            </a:r>
-          </a:p>
-          <a:p>
-            <a:r>
-              <a:rPr lang="en-IN" dirty="0"/>
-              <a:t>If we find a different angle then assign that to another person and continue this until all points are assigned to a delivery boy.</a:t>
+              <a:t>In the third method, we take a counter variable initialized to 0 then pick up any two random vertices and swap them in the list and check whether this change caused an improvement in the total distance to be travelled to cover all the points.</a:t>
+            </a:r>
+          </a:p>
+          <a:p>
+            <a:r>
+              <a:rPr lang="en-IN" dirty="0"/>
+              <a:t>If there is an improvement, we continue until there is no more improvement or the counter variable reaches a value say 40,000/n^3.</a:t>
+            </a:r>
+          </a:p>
+          <a:p>
+            <a:r>
+              <a:rPr lang="en-IN" dirty="0"/>
+              <a:t>Time complexity is O(n^3).</a:t>
+            </a:r>
+          </a:p>
+          <a:p>
+            <a:r>
+              <a:rPr lang="en-IN" dirty="0"/>
+              <a:t>These three optimizations can cause much improvement in the accuracy of the answer.</a:t>
+            </a:r>
+          </a:p>
+          <a:p>
+            <a:r>
+              <a:rPr lang="en-IN" dirty="0"/>
+              <a:t>Since we don’t know the exact coordinates of the vertices in a graph DS, we cannot use the method that sorts on the basis of polar coordinates. This can be done if both graph and coordinates are taken as input.</a:t>
             </a:r>
           </a:p>
         </p:txBody>
@@ -5868,7 +5818,7 @@
     </p:spTree>
     <p:extLst>
       <p:ext uri="{BB962C8B-B14F-4D97-AF65-F5344CB8AC3E}">
-        <p14:creationId xmlns:p14="http://schemas.microsoft.com/office/powerpoint/2010/main" val="3948820488"/>
+        <p14:creationId xmlns:p14="http://schemas.microsoft.com/office/powerpoint/2010/main" val="3319889391"/>
       </p:ext>
     </p:extLst>
   </p:cSld>
@@ -5933,6 +5883,161 @@
           <a:lstStyle/>
           <a:p>
             <a:r>
+              <a:rPr lang="en-IN" dirty="0"/>
+              <a:t>                       Multiple Delivery Boys</a:t>
+            </a:r>
+          </a:p>
+        </p:txBody>
+      </p:sp>
+      <p:sp>
+        <p:nvSpPr>
+          <p:cNvPr id="3" name="Content Placeholder 2">
+            <a:extLst>
+              <a:ext uri="{FF2B5EF4-FFF2-40B4-BE49-F238E27FC236}">
+                <a16:creationId xmlns:a16="http://schemas.microsoft.com/office/drawing/2014/main" id="{CFAAD8AA-A021-49FA-BCBF-0C780B0988CF}"/>
+              </a:ext>
+            </a:extLst>
+          </p:cNvPr>
+          <p:cNvSpPr>
+            <a:spLocks noGrp="1"/>
+          </p:cNvSpPr>
+          <p:nvPr>
+            <p:ph idx="1"/>
+          </p:nvPr>
+        </p:nvSpPr>
+        <p:spPr>
+          <a:xfrm>
+            <a:off x="838200" y="1825624"/>
+            <a:ext cx="10515600" cy="4853471"/>
+          </a:xfrm>
+        </p:spPr>
+        <p:style>
+          <a:lnRef idx="1">
+            <a:schemeClr val="accent1"/>
+          </a:lnRef>
+          <a:fillRef idx="2">
+            <a:schemeClr val="accent1"/>
+          </a:fillRef>
+          <a:effectRef idx="1">
+            <a:schemeClr val="accent1"/>
+          </a:effectRef>
+          <a:fontRef idx="minor">
+            <a:schemeClr val="dk1"/>
+          </a:fontRef>
+        </p:style>
+        <p:txBody>
+          <a:bodyPr>
+            <a:normAutofit/>
+          </a:bodyPr>
+          <a:lstStyle/>
+          <a:p>
+            <a:r>
+              <a:rPr lang="en-IN" dirty="0"/>
+              <a:t>The above methods calculate the shortest path for a single delivery boy doing all deliveries.</a:t>
+            </a:r>
+          </a:p>
+          <a:p>
+            <a:r>
+              <a:rPr lang="en-IN" dirty="0"/>
+              <a:t>Since there can be more than one delivery boy, we have to divide the delivery points among them such that the deliveries are done fast.</a:t>
+            </a:r>
+          </a:p>
+          <a:p>
+            <a:r>
+              <a:rPr lang="en-IN" dirty="0"/>
+              <a:t>So, we sort the coordinates again on the basis of polar coordinates using </a:t>
+            </a:r>
+            <a:r>
+              <a:rPr lang="en-IN" dirty="0" err="1"/>
+              <a:t>mergesort</a:t>
+            </a:r>
+            <a:r>
+              <a:rPr lang="en-IN" dirty="0"/>
+              <a:t> as stated earlier.</a:t>
+            </a:r>
+          </a:p>
+          <a:p>
+            <a:r>
+              <a:rPr lang="en-IN" dirty="0"/>
+              <a:t>If the angle of two or more adjacent points in the resultant list is/are equal, they are on the same line and they should be done by the same person to save time and fuel.</a:t>
+            </a:r>
+          </a:p>
+          <a:p>
+            <a:r>
+              <a:rPr lang="en-IN" dirty="0"/>
+              <a:t>If we find a different angle then assign that to another person and continue this until all points are assigned to a delivery boy.</a:t>
+            </a:r>
+          </a:p>
+        </p:txBody>
+      </p:sp>
+    </p:spTree>
+    <p:extLst>
+      <p:ext uri="{BB962C8B-B14F-4D97-AF65-F5344CB8AC3E}">
+        <p14:creationId xmlns:p14="http://schemas.microsoft.com/office/powerpoint/2010/main" val="3948820488"/>
+      </p:ext>
+    </p:extLst>
+  </p:cSld>
+  <p:clrMapOvr>
+    <a:masterClrMapping/>
+  </p:clrMapOvr>
+</p:sld>
+</file>
+
+<file path=ppt/slides/slide23.xml><?xml version="1.0" encoding="utf-8"?>
+<p:sld xmlns:a="http://schemas.openxmlformats.org/drawingml/2006/main" xmlns:r="http://schemas.openxmlformats.org/officeDocument/2006/relationships" xmlns:p="http://schemas.openxmlformats.org/presentationml/2006/main">
+  <p:cSld>
+    <p:spTree>
+      <p:nvGrpSpPr>
+        <p:cNvPr id="1" name=""/>
+        <p:cNvGrpSpPr/>
+        <p:nvPr/>
+      </p:nvGrpSpPr>
+      <p:grpSpPr>
+        <a:xfrm>
+          <a:off x="0" y="0"/>
+          <a:ext cx="0" cy="0"/>
+          <a:chOff x="0" y="0"/>
+          <a:chExt cx="0" cy="0"/>
+        </a:xfrm>
+      </p:grpSpPr>
+      <p:sp>
+        <p:nvSpPr>
+          <p:cNvPr id="2" name="Title 1">
+            <a:extLst>
+              <a:ext uri="{FF2B5EF4-FFF2-40B4-BE49-F238E27FC236}">
+                <a16:creationId xmlns:a16="http://schemas.microsoft.com/office/drawing/2014/main" id="{AF4E8AAF-5F77-417A-A1C3-D3FC3338260F}"/>
+              </a:ext>
+            </a:extLst>
+          </p:cNvPr>
+          <p:cNvSpPr>
+            <a:spLocks noGrp="1"/>
+          </p:cNvSpPr>
+          <p:nvPr>
+            <p:ph type="title"/>
+          </p:nvPr>
+        </p:nvSpPr>
+        <p:spPr/>
+        <p:style>
+          <a:lnRef idx="2">
+            <a:schemeClr val="accent1">
+              <a:shade val="50000"/>
+            </a:schemeClr>
+          </a:lnRef>
+          <a:fillRef idx="1">
+            <a:schemeClr val="accent1"/>
+          </a:fillRef>
+          <a:effectRef idx="0">
+            <a:schemeClr val="accent1"/>
+          </a:effectRef>
+          <a:fontRef idx="minor">
+            <a:schemeClr val="lt1"/>
+          </a:fontRef>
+        </p:style>
+        <p:txBody>
+          <a:bodyPr/>
+          <a:lstStyle/>
+          <a:p>
+            <a:r>
               <a:rPr lang="en-IN"/>
               <a:t>                           Conclusion</a:t>
             </a:r>
@@ -6032,7 +6137,7 @@
 </p:sld>
 </file>
 
-<file path=ppt/slides/slide23.xml><?xml version="1.0" encoding="utf-8"?>
+<file path=ppt/slides/slide24.xml><?xml version="1.0" encoding="utf-8"?>
 <p:sld xmlns:a="http://schemas.openxmlformats.org/drawingml/2006/main" xmlns:r="http://schemas.openxmlformats.org/officeDocument/2006/relationships" xmlns:p="http://schemas.openxmlformats.org/presentationml/2006/main">
   <p:cSld>
     <p:spTree>
@@ -6133,7 +6238,7 @@
           <p:cNvPr id="2" name="Title 1">
             <a:extLst>
               <a:ext uri="{FF2B5EF4-FFF2-40B4-BE49-F238E27FC236}">
-                <a16:creationId xmlns:a16="http://schemas.microsoft.com/office/drawing/2014/main" id="{EC64A022-6D44-404E-B6AD-5DFFCBB2C7B1}"/>
+                <a16:creationId xmlns:a16="http://schemas.microsoft.com/office/drawing/2014/main" id="{3C027AEF-4CD9-4261-9BF3-3830212C0E59}"/>
               </a:ext>
             </a:extLst>
           </p:cNvPr>
@@ -6167,7 +6272,7 @@
           <a:p>
             <a:r>
               <a:rPr lang="en-IN" dirty="0"/>
-              <a:t>                          About Project</a:t>
+              <a:t>                               Teammates</a:t>
             </a:r>
           </a:p>
         </p:txBody>
@@ -6177,7 +6282,7 @@
           <p:cNvPr id="3" name="Content Placeholder 2">
             <a:extLst>
               <a:ext uri="{FF2B5EF4-FFF2-40B4-BE49-F238E27FC236}">
-                <a16:creationId xmlns:a16="http://schemas.microsoft.com/office/drawing/2014/main" id="{914EEC4B-DCA4-425F-ABD9-7866E62662B2}"/>
+                <a16:creationId xmlns:a16="http://schemas.microsoft.com/office/drawing/2014/main" id="{D0B2F386-A24E-4FCC-9C9D-4AB151029FFF}"/>
               </a:ext>
             </a:extLst>
           </p:cNvPr>
@@ -6188,7 +6293,12 @@
             <p:ph idx="1"/>
           </p:nvPr>
         </p:nvSpPr>
-        <p:spPr/>
+        <p:spPr>
+          <a:xfrm>
+            <a:off x="838200" y="1825625"/>
+            <a:ext cx="10515600" cy="4351338"/>
+          </a:xfrm>
+        </p:spPr>
         <p:style>
           <a:lnRef idx="1">
             <a:schemeClr val="accent1"/>
@@ -6209,21 +6319,23 @@
           <a:p>
             <a:r>
               <a:rPr lang="en-IN" dirty="0"/>
-              <a:t>In this project we are going to find shortest path for delivering different orders.</a:t>
-            </a:r>
-          </a:p>
-          <a:p>
-            <a:r>
-              <a:rPr lang="en-IN" dirty="0"/>
-              <a:t>It will helpful in reduce time taken to deliver and enhance </a:t>
-            </a:r>
-            <a:r>
-              <a:rPr lang="en-IN"/>
-              <a:t>the process </a:t>
-            </a:r>
-            <a:r>
-              <a:rPr lang="en-IN" dirty="0"/>
-              <a:t>of delivery. </a:t>
+              <a:t>Harsh Sharma 19BCE1464</a:t>
+            </a:r>
+          </a:p>
+          <a:p>
+            <a:r>
+              <a:rPr lang="en-IN" dirty="0" err="1"/>
+              <a:t>Shreeharsh</a:t>
+            </a:r>
+            <a:r>
+              <a:rPr lang="en-IN" dirty="0"/>
+              <a:t> Pandey 19BCE1818</a:t>
+            </a:r>
+          </a:p>
+          <a:p>
+            <a:r>
+              <a:rPr lang="en-IN" dirty="0"/>
+              <a:t>Gautam Sanjay Wadhwani 19BCE1209</a:t>
             </a:r>
           </a:p>
         </p:txBody>
@@ -6231,7 +6343,7 @@
     </p:spTree>
     <p:extLst>
       <p:ext uri="{BB962C8B-B14F-4D97-AF65-F5344CB8AC3E}">
-        <p14:creationId xmlns:p14="http://schemas.microsoft.com/office/powerpoint/2010/main" val="2452548430"/>
+        <p14:creationId xmlns:p14="http://schemas.microsoft.com/office/powerpoint/2010/main" val="1126094981"/>
       </p:ext>
     </p:extLst>
   </p:cSld>
@@ -6263,7 +6375,7 @@
           <p:cNvPr id="2" name="Title 1">
             <a:extLst>
               <a:ext uri="{FF2B5EF4-FFF2-40B4-BE49-F238E27FC236}">
-                <a16:creationId xmlns:a16="http://schemas.microsoft.com/office/drawing/2014/main" id="{34155998-410D-43F1-A341-3C216794ACE8}"/>
+                <a16:creationId xmlns:a16="http://schemas.microsoft.com/office/drawing/2014/main" id="{EC64A022-6D44-404E-B6AD-5DFFCBB2C7B1}"/>
               </a:ext>
             </a:extLst>
           </p:cNvPr>
@@ -6297,7 +6409,7 @@
           <a:p>
             <a:r>
               <a:rPr lang="en-IN" dirty="0"/>
-              <a:t>                                Example</a:t>
+              <a:t>                          About Project</a:t>
             </a:r>
           </a:p>
         </p:txBody>
@@ -6307,7 +6419,7 @@
           <p:cNvPr id="3" name="Content Placeholder 2">
             <a:extLst>
               <a:ext uri="{FF2B5EF4-FFF2-40B4-BE49-F238E27FC236}">
-                <a16:creationId xmlns:a16="http://schemas.microsoft.com/office/drawing/2014/main" id="{DEFE8CA0-A2BC-4B03-BA38-67557375FB2F}"/>
+                <a16:creationId xmlns:a16="http://schemas.microsoft.com/office/drawing/2014/main" id="{914EEC4B-DCA4-425F-ABD9-7866E62662B2}"/>
               </a:ext>
             </a:extLst>
           </p:cNvPr>
@@ -6339,34 +6451,21 @@
           <a:p>
             <a:r>
               <a:rPr lang="en-IN" dirty="0"/>
-              <a:t>Where we can use this-</a:t>
-            </a:r>
-          </a:p>
-          <a:p>
-            <a:pPr marL="0" indent="0">
-              <a:buNone/>
-            </a:pPr>
-            <a:r>
-              <a:rPr lang="en-IN" dirty="0"/>
-              <a:t>1.Food delivery</a:t>
-            </a:r>
-          </a:p>
-          <a:p>
-            <a:pPr marL="0" indent="0">
-              <a:buNone/>
-            </a:pPr>
-            <a:r>
-              <a:rPr lang="en-IN" dirty="0"/>
-              <a:t>2.Courier services</a:t>
-            </a:r>
-          </a:p>
-          <a:p>
-            <a:pPr marL="0" indent="0">
-              <a:buNone/>
-            </a:pPr>
-            <a:r>
-              <a:rPr lang="en-IN" dirty="0"/>
-              <a:t>3.Grocery delivery</a:t>
+              <a:t>In this project we are going to find shortest path for delivering different orders.</a:t>
+            </a:r>
+          </a:p>
+          <a:p>
+            <a:r>
+              <a:rPr lang="en-IN" dirty="0"/>
+              <a:t>It will helpful in reduce time taken to deliver and enhance </a:t>
+            </a:r>
+            <a:r>
+              <a:rPr lang="en-IN"/>
+              <a:t>the process </a:t>
+            </a:r>
+            <a:r>
+              <a:rPr lang="en-IN" dirty="0"/>
+              <a:t>of delivery. </a:t>
             </a:r>
           </a:p>
         </p:txBody>
@@ -6374,7 +6473,7 @@
     </p:spTree>
     <p:extLst>
       <p:ext uri="{BB962C8B-B14F-4D97-AF65-F5344CB8AC3E}">
-        <p14:creationId xmlns:p14="http://schemas.microsoft.com/office/powerpoint/2010/main" val="4239149191"/>
+        <p14:creationId xmlns:p14="http://schemas.microsoft.com/office/powerpoint/2010/main" val="2452548430"/>
       </p:ext>
     </p:extLst>
   </p:cSld>
@@ -6406,7 +6505,7 @@
           <p:cNvPr id="2" name="Title 1">
             <a:extLst>
               <a:ext uri="{FF2B5EF4-FFF2-40B4-BE49-F238E27FC236}">
-                <a16:creationId xmlns:a16="http://schemas.microsoft.com/office/drawing/2014/main" id="{02B2933A-8ADD-40EA-ADB1-6260D07CA5F8}"/>
+                <a16:creationId xmlns:a16="http://schemas.microsoft.com/office/drawing/2014/main" id="{34155998-410D-43F1-A341-3C216794ACE8}"/>
               </a:ext>
             </a:extLst>
           </p:cNvPr>
@@ -6440,15 +6539,7 @@
           <a:p>
             <a:r>
               <a:rPr lang="en-IN" dirty="0"/>
-              <a:t>                     Tools We are </a:t>
-            </a:r>
-            <a:r>
-              <a:rPr lang="en-IN" dirty="0" err="1"/>
-              <a:t>Gona</a:t>
-            </a:r>
-            <a:r>
-              <a:rPr lang="en-IN" dirty="0"/>
-              <a:t> Use</a:t>
+              <a:t>                                Example</a:t>
             </a:r>
           </a:p>
         </p:txBody>
@@ -6458,7 +6549,7 @@
           <p:cNvPr id="3" name="Content Placeholder 2">
             <a:extLst>
               <a:ext uri="{FF2B5EF4-FFF2-40B4-BE49-F238E27FC236}">
-                <a16:creationId xmlns:a16="http://schemas.microsoft.com/office/drawing/2014/main" id="{A4688DC3-B1C0-47EE-A6AF-65C39B16357F}"/>
+                <a16:creationId xmlns:a16="http://schemas.microsoft.com/office/drawing/2014/main" id="{DEFE8CA0-A2BC-4B03-BA38-67557375FB2F}"/>
               </a:ext>
             </a:extLst>
           </p:cNvPr>
@@ -6488,27 +6579,36 @@
           <a:bodyPr/>
           <a:lstStyle/>
           <a:p>
-            <a:endParaRPr lang="en-IN" dirty="0"/>
-          </a:p>
-          <a:p>
-            <a:endParaRPr lang="en-IN" dirty="0"/>
-          </a:p>
-          <a:p>
-            <a:r>
-              <a:rPr lang="en-IN" dirty="0"/>
-              <a:t>Python </a:t>
-            </a:r>
-          </a:p>
-          <a:p>
-            <a:r>
-              <a:rPr lang="en-IN" dirty="0"/>
-              <a:t>Brute force </a:t>
-            </a:r>
-          </a:p>
-          <a:p>
-            <a:r>
-              <a:rPr lang="en-IN" dirty="0"/>
-              <a:t>Greedy techniques</a:t>
+            <a:r>
+              <a:rPr lang="en-IN" dirty="0"/>
+              <a:t>Where we can use this-</a:t>
+            </a:r>
+          </a:p>
+          <a:p>
+            <a:pPr marL="0" indent="0">
+              <a:buNone/>
+            </a:pPr>
+            <a:r>
+              <a:rPr lang="en-IN" dirty="0"/>
+              <a:t>1.Food delivery</a:t>
+            </a:r>
+          </a:p>
+          <a:p>
+            <a:pPr marL="0" indent="0">
+              <a:buNone/>
+            </a:pPr>
+            <a:r>
+              <a:rPr lang="en-IN" dirty="0"/>
+              <a:t>2.Courier services</a:t>
+            </a:r>
+          </a:p>
+          <a:p>
+            <a:pPr marL="0" indent="0">
+              <a:buNone/>
+            </a:pPr>
+            <a:r>
+              <a:rPr lang="en-IN" dirty="0"/>
+              <a:t>3.Grocery delivery</a:t>
             </a:r>
           </a:p>
         </p:txBody>
@@ -6516,7 +6616,7 @@
     </p:spTree>
     <p:extLst>
       <p:ext uri="{BB962C8B-B14F-4D97-AF65-F5344CB8AC3E}">
-        <p14:creationId xmlns:p14="http://schemas.microsoft.com/office/powerpoint/2010/main" val="2886631639"/>
+        <p14:creationId xmlns:p14="http://schemas.microsoft.com/office/powerpoint/2010/main" val="4239149191"/>
       </p:ext>
     </p:extLst>
   </p:cSld>
@@ -6548,7 +6648,7 @@
           <p:cNvPr id="2" name="Title 1">
             <a:extLst>
               <a:ext uri="{FF2B5EF4-FFF2-40B4-BE49-F238E27FC236}">
-                <a16:creationId xmlns:a16="http://schemas.microsoft.com/office/drawing/2014/main" id="{AF4E8AAF-5F77-417A-A1C3-D3FC3338260F}"/>
+                <a16:creationId xmlns:a16="http://schemas.microsoft.com/office/drawing/2014/main" id="{02B2933A-8ADD-40EA-ADB1-6260D07CA5F8}"/>
               </a:ext>
             </a:extLst>
           </p:cNvPr>
@@ -6582,7 +6682,15 @@
           <a:p>
             <a:r>
               <a:rPr lang="en-IN" dirty="0"/>
-              <a:t>                    How the Project Work</a:t>
+              <a:t>                     Tools We are </a:t>
+            </a:r>
+            <a:r>
+              <a:rPr lang="en-IN" dirty="0" err="1"/>
+              <a:t>Gona</a:t>
+            </a:r>
+            <a:r>
+              <a:rPr lang="en-IN" dirty="0"/>
+              <a:t> Use</a:t>
             </a:r>
           </a:p>
         </p:txBody>
@@ -6592,7 +6700,7 @@
           <p:cNvPr id="3" name="Content Placeholder 2">
             <a:extLst>
               <a:ext uri="{FF2B5EF4-FFF2-40B4-BE49-F238E27FC236}">
-                <a16:creationId xmlns:a16="http://schemas.microsoft.com/office/drawing/2014/main" id="{CFAAD8AA-A021-49FA-BCBF-0C780B0988CF}"/>
+                <a16:creationId xmlns:a16="http://schemas.microsoft.com/office/drawing/2014/main" id="{A4688DC3-B1C0-47EE-A6AF-65C39B16357F}"/>
               </a:ext>
             </a:extLst>
           </p:cNvPr>
@@ -6622,33 +6730,27 @@
           <a:bodyPr/>
           <a:lstStyle/>
           <a:p>
-            <a:r>
-              <a:rPr lang="en-IN" dirty="0"/>
-              <a:t>The code will try all the permutation of the given coordinates and find the shortest path covering all the coordinates.</a:t>
-            </a:r>
-          </a:p>
-          <a:p>
-            <a:r>
-              <a:rPr lang="en-IN" dirty="0"/>
-              <a:t>The start point will be input first and then we will enter the coordinates.</a:t>
-            </a:r>
-          </a:p>
-          <a:p>
-            <a:r>
-              <a:rPr lang="en-IN" dirty="0"/>
-              <a:t>We will try greedy algorithm and divide and conquer .</a:t>
-            </a:r>
-          </a:p>
-          <a:p>
-            <a:r>
-              <a:rPr lang="en-IN" dirty="0"/>
-              <a:t>Or we will combine this two algorithm.</a:t>
-            </a:r>
-          </a:p>
-          <a:p>
-            <a:r>
-              <a:rPr lang="en-IN" dirty="0"/>
-              <a:t>If the value of n(number of coordinates) is high we will us approximate method.</a:t>
+            <a:endParaRPr lang="en-IN" dirty="0"/>
+          </a:p>
+          <a:p>
+            <a:endParaRPr lang="en-IN" dirty="0"/>
+          </a:p>
+          <a:p>
+            <a:r>
+              <a:rPr lang="en-IN" dirty="0"/>
+              <a:t>Python </a:t>
+            </a:r>
+          </a:p>
+          <a:p>
+            <a:r>
+              <a:rPr lang="en-IN" dirty="0"/>
+              <a:t>Brute force </a:t>
+            </a:r>
+          </a:p>
+          <a:p>
+            <a:r>
+              <a:rPr lang="en-IN" dirty="0"/>
+              <a:t>Greedy techniques</a:t>
             </a:r>
           </a:p>
         </p:txBody>
@@ -6656,7 +6758,7 @@
     </p:spTree>
     <p:extLst>
       <p:ext uri="{BB962C8B-B14F-4D97-AF65-F5344CB8AC3E}">
-        <p14:creationId xmlns:p14="http://schemas.microsoft.com/office/powerpoint/2010/main" val="46333580"/>
+        <p14:creationId xmlns:p14="http://schemas.microsoft.com/office/powerpoint/2010/main" val="2886631639"/>
       </p:ext>
     </p:extLst>
   </p:cSld>
@@ -6722,8 +6824,13 @@
           <a:p>
             <a:r>
               <a:rPr lang="en-IN" dirty="0"/>
-              <a:t>                    Brute Force Method</a:t>
-            </a:r>
+              <a:t>                    How the </a:t>
+            </a:r>
+            <a:r>
+              <a:rPr lang="en-IN"/>
+              <a:t>Project Works</a:t>
+            </a:r>
+            <a:endParaRPr lang="en-IN" dirty="0"/>
           </a:p>
         </p:txBody>
       </p:sp>
@@ -6759,44 +6866,36 @@
           </a:fontRef>
         </p:style>
         <p:txBody>
-          <a:bodyPr>
-            <a:normAutofit fontScale="92500" lnSpcReduction="20000"/>
-          </a:bodyPr>
-          <a:lstStyle/>
-          <a:p>
-            <a:r>
-              <a:rPr lang="en-IN" dirty="0"/>
-              <a:t>Start point is taken as input then all the coordinates where delivery is to be done are taken as input.</a:t>
-            </a:r>
-          </a:p>
-          <a:p>
-            <a:r>
-              <a:rPr lang="en-IN" dirty="0"/>
-              <a:t>Try all the permutations of the coordinates except the start point and find the shortest path covering all the coordinates and the corresponding shortest distance.</a:t>
-            </a:r>
-          </a:p>
-          <a:p>
-            <a:r>
-              <a:rPr lang="en-IN" dirty="0"/>
-              <a:t>A recursive function is used to find all possible permutations of the list of delivery points.</a:t>
-            </a:r>
-          </a:p>
-          <a:p>
-            <a:r>
-              <a:rPr lang="en-IN" dirty="0"/>
-              <a:t>The advantage of this method is that we get an exact answer.</a:t>
-            </a:r>
-          </a:p>
-          <a:p>
-            <a:r>
-              <a:rPr lang="en-IN" dirty="0"/>
-              <a:t>The disadvantage is that since we need to try all possible permutations, the time complexity is O(n!) which is too high.</a:t>
-            </a:r>
-          </a:p>
-          <a:p>
-            <a:r>
-              <a:rPr lang="en-IN" dirty="0"/>
-              <a:t>This algorithm can be used for n&lt;8 for which it took around 30 seconds to run.</a:t>
+          <a:bodyPr/>
+          <a:lstStyle/>
+          <a:p>
+            <a:r>
+              <a:rPr lang="en-IN" dirty="0"/>
+              <a:t>The code will try all the permutation of the given coordinates and find the shortest path covering all the coordinates.</a:t>
+            </a:r>
+          </a:p>
+          <a:p>
+            <a:r>
+              <a:rPr lang="en-IN" dirty="0"/>
+              <a:t>The start point will be input first and then we will enter the coordinates.</a:t>
+            </a:r>
+          </a:p>
+          <a:p>
+            <a:r>
+              <a:rPr lang="en-IN" dirty="0"/>
+              <a:t>We will try greedy algorithm and divide and conquer .</a:t>
+            </a:r>
+          </a:p>
+          <a:p>
+            <a:r>
+              <a:rPr lang="en-IN" dirty="0"/>
+              <a:t>Or we will combine this two algorithm.</a:t>
+            </a:r>
+          </a:p>
+          <a:p>
+            <a:r>
+              <a:rPr lang="en-IN" dirty="0"/>
+              <a:t>If the value of n(number of coordinates) is high we will us approximate method.</a:t>
             </a:r>
           </a:p>
         </p:txBody>
@@ -6804,7 +6903,7 @@
     </p:spTree>
     <p:extLst>
       <p:ext uri="{BB962C8B-B14F-4D97-AF65-F5344CB8AC3E}">
-        <p14:creationId xmlns:p14="http://schemas.microsoft.com/office/powerpoint/2010/main" val="902417309"/>
+        <p14:creationId xmlns:p14="http://schemas.microsoft.com/office/powerpoint/2010/main" val="46333580"/>
       </p:ext>
     </p:extLst>
   </p:cSld>
@@ -6870,7 +6969,7 @@
           <a:p>
             <a:r>
               <a:rPr lang="en-IN" dirty="0"/>
-              <a:t>                    Optimization of this method</a:t>
+              <a:t>                    Brute Force Method</a:t>
             </a:r>
           </a:p>
         </p:txBody>
@@ -6908,31 +7007,43 @@
         </p:style>
         <p:txBody>
           <a:bodyPr>
-            <a:normAutofit/>
+            <a:normAutofit fontScale="92500" lnSpcReduction="20000"/>
           </a:bodyPr>
           <a:lstStyle/>
           <a:p>
             <a:r>
               <a:rPr lang="en-IN" dirty="0"/>
-              <a:t>We need to traverse through the list of permutations generated and find the distance for each permutation.</a:t>
-            </a:r>
-          </a:p>
-          <a:p>
-            <a:r>
-              <a:rPr lang="en-IN" dirty="0"/>
-              <a:t>If at any point, the distance until that point is more than or equal to the minimum distance recorded so far, break the loop since it will lead to a longer path so no need to calculate the total distance for that particular path .</a:t>
-            </a:r>
-          </a:p>
-          <a:p>
-            <a:r>
-              <a:rPr lang="en-IN" dirty="0"/>
-              <a:t>We will still get an exact answer but the time complexity is still not much affected.</a:t>
-            </a:r>
-          </a:p>
-          <a:p>
-            <a:r>
-              <a:rPr lang="en-IN" dirty="0"/>
-              <a:t>So for n&gt;=8, we use approximate greedy method.</a:t>
+              <a:t>Start point is taken as input then all the coordinates where delivery is to be done are taken as input.</a:t>
+            </a:r>
+          </a:p>
+          <a:p>
+            <a:r>
+              <a:rPr lang="en-IN" dirty="0"/>
+              <a:t>Try all the permutations of the coordinates except the start point and find the shortest path covering all the coordinates and the corresponding shortest distance.</a:t>
+            </a:r>
+          </a:p>
+          <a:p>
+            <a:r>
+              <a:rPr lang="en-IN" dirty="0"/>
+              <a:t>A recursive function is used to find all possible permutations of the list of delivery points.</a:t>
+            </a:r>
+          </a:p>
+          <a:p>
+            <a:r>
+              <a:rPr lang="en-IN" dirty="0"/>
+              <a:t>The advantage of this method is that we get an exact answer.</a:t>
+            </a:r>
+          </a:p>
+          <a:p>
+            <a:r>
+              <a:rPr lang="en-IN" dirty="0"/>
+              <a:t>The disadvantage is that since we need to try all possible permutations, the time complexity is O(n!) which is too high.</a:t>
+            </a:r>
+          </a:p>
+          <a:p>
+            <a:r>
+              <a:rPr lang="en-IN" dirty="0"/>
+              <a:t>This algorithm can be used for n&lt;8 for which it took around 30 seconds to run.</a:t>
             </a:r>
           </a:p>
         </p:txBody>
@@ -6940,7 +7051,7 @@
     </p:spTree>
     <p:extLst>
       <p:ext uri="{BB962C8B-B14F-4D97-AF65-F5344CB8AC3E}">
-        <p14:creationId xmlns:p14="http://schemas.microsoft.com/office/powerpoint/2010/main" val="1086211098"/>
+        <p14:creationId xmlns:p14="http://schemas.microsoft.com/office/powerpoint/2010/main" val="902417309"/>
       </p:ext>
     </p:extLst>
   </p:cSld>
@@ -7006,7 +7117,7 @@
           <a:p>
             <a:r>
               <a:rPr lang="en-IN" dirty="0"/>
-              <a:t>                    Greedy Method</a:t>
+              <a:t>                    Optimization of this method</a:t>
             </a:r>
           </a:p>
         </p:txBody>
@@ -7050,40 +7161,25 @@
           <a:p>
             <a:r>
               <a:rPr lang="en-IN" dirty="0"/>
-              <a:t>First make a copy of the input list of coordinates.</a:t>
-            </a:r>
-          </a:p>
-          <a:p>
-            <a:r>
-              <a:rPr lang="en-IN" dirty="0"/>
-              <a:t>Go to the nearest point from the start point and find the distance.</a:t>
-            </a:r>
-          </a:p>
-          <a:p>
-            <a:r>
-              <a:rPr lang="en-IN" dirty="0"/>
-              <a:t>Now new start point is that nearest point and delete it from the copy</a:t>
-            </a:r>
-          </a:p>
-          <a:p>
-            <a:pPr marL="0" indent="0">
-              <a:buNone/>
-            </a:pPr>
-            <a:r>
-              <a:rPr lang="en-IN" dirty="0"/>
-              <a:t> of the list.</a:t>
-            </a:r>
-          </a:p>
-          <a:p>
-            <a:r>
-              <a:rPr lang="en-IN" dirty="0"/>
-              <a:t>Now go to the next nearest point and continue until the copy list becomes empty.</a:t>
-            </a:r>
-          </a:p>
-          <a:p>
-            <a:r>
-              <a:rPr lang="en-IN" dirty="0"/>
-              <a:t>The time complexity of this method is O(n^2) but it will not always lead you to the shortest path.</a:t>
+              <a:t>We need to traverse through the list of permutations generated and find the distance for each permutation.</a:t>
+            </a:r>
+          </a:p>
+          <a:p>
+            <a:r>
+              <a:rPr lang="en-IN" dirty="0"/>
+              <a:t>If at any point, the distance until that point is more than or equal to the minimum distance recorded so far, break the loop since it will lead to a longer path so no need to calculate the total distance for that particular path .</a:t>
+            </a:r>
+          </a:p>
+          <a:p>
+            <a:r>
+              <a:rPr lang="en-IN" dirty="0"/>
+              <a:t>We will still get an exact answer but the time complexity is still not much affected.</a:t>
+            </a:r>
+          </a:p>
+          <a:p>
+            <a:r>
+              <a:rPr lang="en-IN" dirty="0"/>
+              <a:t>So for n&gt;=8, we use approximate greedy method.</a:t>
             </a:r>
           </a:p>
         </p:txBody>
@@ -7091,7 +7187,7 @@
     </p:spTree>
     <p:extLst>
       <p:ext uri="{BB962C8B-B14F-4D97-AF65-F5344CB8AC3E}">
-        <p14:creationId xmlns:p14="http://schemas.microsoft.com/office/powerpoint/2010/main" val="1292591117"/>
+        <p14:creationId xmlns:p14="http://schemas.microsoft.com/office/powerpoint/2010/main" val="1086211098"/>
       </p:ext>
     </p:extLst>
   </p:cSld>
